--- a/JBNU_Statistics_Ph.D/Ph.D dissertation/학위논문심사/학위논문작성/Overleaf LaTex 작성/삽입 그림/calibration with time dependent AUC from survival data/ROC curve.pptx
+++ b/JBNU_Statistics_Ph.D/Ph.D dissertation/학위논문심사/학위논문작성/Overleaf LaTex 작성/삽입 그림/calibration with time dependent AUC from survival data/ROC curve.pptx
@@ -104,6 +104,11 @@
       </a:defRPr>
     </a:lvl9pPr>
   </p:defaultTextStyle>
+  <p:extLst>
+    <p:ext uri="{EFAFB233-063F-42B5-8137-9DF3F51BA10A}">
+      <p15:sldGuideLst xmlns:p15="http://schemas.microsoft.com/office/powerpoint/2012/main"/>
+    </p:ext>
+  </p:extLst>
 </p:presentation>
 </file>
 
@@ -238,7 +243,7 @@
           <a:p>
             <a:fld id="{3FF9CCCE-BB5D-4DAC-9891-43D84DC05547}" type="datetimeFigureOut">
               <a:rPr lang="ko-KR" altLang="en-US" smtClean="0"/>
-              <a:t>2022-06-28</a:t>
+              <a:t>2022-06-29</a:t>
             </a:fld>
             <a:endParaRPr lang="ko-KR" altLang="en-US"/>
           </a:p>
@@ -408,7 +413,7 @@
           <a:p>
             <a:fld id="{3FF9CCCE-BB5D-4DAC-9891-43D84DC05547}" type="datetimeFigureOut">
               <a:rPr lang="ko-KR" altLang="en-US" smtClean="0"/>
-              <a:t>2022-06-28</a:t>
+              <a:t>2022-06-29</a:t>
             </a:fld>
             <a:endParaRPr lang="ko-KR" altLang="en-US"/>
           </a:p>
@@ -588,7 +593,7 @@
           <a:p>
             <a:fld id="{3FF9CCCE-BB5D-4DAC-9891-43D84DC05547}" type="datetimeFigureOut">
               <a:rPr lang="ko-KR" altLang="en-US" smtClean="0"/>
-              <a:t>2022-06-28</a:t>
+              <a:t>2022-06-29</a:t>
             </a:fld>
             <a:endParaRPr lang="ko-KR" altLang="en-US"/>
           </a:p>
@@ -758,7 +763,7 @@
           <a:p>
             <a:fld id="{3FF9CCCE-BB5D-4DAC-9891-43D84DC05547}" type="datetimeFigureOut">
               <a:rPr lang="ko-KR" altLang="en-US" smtClean="0"/>
-              <a:t>2022-06-28</a:t>
+              <a:t>2022-06-29</a:t>
             </a:fld>
             <a:endParaRPr lang="ko-KR" altLang="en-US"/>
           </a:p>
@@ -1004,7 +1009,7 @@
           <a:p>
             <a:fld id="{3FF9CCCE-BB5D-4DAC-9891-43D84DC05547}" type="datetimeFigureOut">
               <a:rPr lang="ko-KR" altLang="en-US" smtClean="0"/>
-              <a:t>2022-06-28</a:t>
+              <a:t>2022-06-29</a:t>
             </a:fld>
             <a:endParaRPr lang="ko-KR" altLang="en-US"/>
           </a:p>
@@ -1236,7 +1241,7 @@
           <a:p>
             <a:fld id="{3FF9CCCE-BB5D-4DAC-9891-43D84DC05547}" type="datetimeFigureOut">
               <a:rPr lang="ko-KR" altLang="en-US" smtClean="0"/>
-              <a:t>2022-06-28</a:t>
+              <a:t>2022-06-29</a:t>
             </a:fld>
             <a:endParaRPr lang="ko-KR" altLang="en-US"/>
           </a:p>
@@ -1603,7 +1608,7 @@
           <a:p>
             <a:fld id="{3FF9CCCE-BB5D-4DAC-9891-43D84DC05547}" type="datetimeFigureOut">
               <a:rPr lang="ko-KR" altLang="en-US" smtClean="0"/>
-              <a:t>2022-06-28</a:t>
+              <a:t>2022-06-29</a:t>
             </a:fld>
             <a:endParaRPr lang="ko-KR" altLang="en-US"/>
           </a:p>
@@ -1721,7 +1726,7 @@
           <a:p>
             <a:fld id="{3FF9CCCE-BB5D-4DAC-9891-43D84DC05547}" type="datetimeFigureOut">
               <a:rPr lang="ko-KR" altLang="en-US" smtClean="0"/>
-              <a:t>2022-06-28</a:t>
+              <a:t>2022-06-29</a:t>
             </a:fld>
             <a:endParaRPr lang="ko-KR" altLang="en-US"/>
           </a:p>
@@ -1816,7 +1821,7 @@
           <a:p>
             <a:fld id="{3FF9CCCE-BB5D-4DAC-9891-43D84DC05547}" type="datetimeFigureOut">
               <a:rPr lang="ko-KR" altLang="en-US" smtClean="0"/>
-              <a:t>2022-06-28</a:t>
+              <a:t>2022-06-29</a:t>
             </a:fld>
             <a:endParaRPr lang="ko-KR" altLang="en-US"/>
           </a:p>
@@ -2093,7 +2098,7 @@
           <a:p>
             <a:fld id="{3FF9CCCE-BB5D-4DAC-9891-43D84DC05547}" type="datetimeFigureOut">
               <a:rPr lang="ko-KR" altLang="en-US" smtClean="0"/>
-              <a:t>2022-06-28</a:t>
+              <a:t>2022-06-29</a:t>
             </a:fld>
             <a:endParaRPr lang="ko-KR" altLang="en-US"/>
           </a:p>
@@ -2346,7 +2351,7 @@
           <a:p>
             <a:fld id="{3FF9CCCE-BB5D-4DAC-9891-43D84DC05547}" type="datetimeFigureOut">
               <a:rPr lang="ko-KR" altLang="en-US" smtClean="0"/>
-              <a:t>2022-06-28</a:t>
+              <a:t>2022-06-29</a:t>
             </a:fld>
             <a:endParaRPr lang="ko-KR" altLang="en-US"/>
           </a:p>
@@ -2559,7 +2564,7 @@
           <a:p>
             <a:fld id="{3FF9CCCE-BB5D-4DAC-9891-43D84DC05547}" type="datetimeFigureOut">
               <a:rPr lang="ko-KR" altLang="en-US" smtClean="0"/>
-              <a:t>2022-06-28</a:t>
+              <a:t>2022-06-29</a:t>
             </a:fld>
             <a:endParaRPr lang="ko-KR" altLang="en-US"/>
           </a:p>
@@ -2966,204 +2971,230 @@
       </p:grpSpPr>
       <p:sp>
         <p:nvSpPr>
-          <p:cNvPr id="39" name="자유형 38"/>
+          <p:cNvPr id="14" name="자유형 13"/>
           <p:cNvSpPr/>
           <p:nvPr/>
         </p:nvSpPr>
         <p:spPr>
           <a:xfrm>
-            <a:off x="2105891" y="1632985"/>
-            <a:ext cx="6927273" cy="3839560"/>
+            <a:off x="2272145" y="1371600"/>
+            <a:ext cx="8337699" cy="4391891"/>
           </a:xfrm>
           <a:custGeom>
             <a:avLst/>
             <a:gdLst>
-              <a:gd name="connsiteX0" fmla="*/ 0 w 6927273"/>
-              <a:gd name="connsiteY0" fmla="*/ 3825706 h 3839560"/>
-              <a:gd name="connsiteX1" fmla="*/ 0 w 6927273"/>
-              <a:gd name="connsiteY1" fmla="*/ 3825706 h 3839560"/>
-              <a:gd name="connsiteX2" fmla="*/ 13854 w 6927273"/>
-              <a:gd name="connsiteY2" fmla="*/ 3701015 h 3839560"/>
-              <a:gd name="connsiteX3" fmla="*/ 27709 w 6927273"/>
-              <a:gd name="connsiteY3" fmla="*/ 3659451 h 3839560"/>
-              <a:gd name="connsiteX4" fmla="*/ 41564 w 6927273"/>
-              <a:gd name="connsiteY4" fmla="*/ 3604033 h 3839560"/>
-              <a:gd name="connsiteX5" fmla="*/ 83127 w 6927273"/>
-              <a:gd name="connsiteY5" fmla="*/ 3423924 h 3839560"/>
-              <a:gd name="connsiteX6" fmla="*/ 96982 w 6927273"/>
-              <a:gd name="connsiteY6" fmla="*/ 3382360 h 3839560"/>
-              <a:gd name="connsiteX7" fmla="*/ 110836 w 6927273"/>
-              <a:gd name="connsiteY7" fmla="*/ 3340797 h 3839560"/>
-              <a:gd name="connsiteX8" fmla="*/ 138545 w 6927273"/>
-              <a:gd name="connsiteY8" fmla="*/ 3285379 h 3839560"/>
-              <a:gd name="connsiteX9" fmla="*/ 166254 w 6927273"/>
-              <a:gd name="connsiteY9" fmla="*/ 3243815 h 3839560"/>
-              <a:gd name="connsiteX10" fmla="*/ 207818 w 6927273"/>
-              <a:gd name="connsiteY10" fmla="*/ 3146833 h 3839560"/>
-              <a:gd name="connsiteX11" fmla="*/ 263236 w 6927273"/>
-              <a:gd name="connsiteY11" fmla="*/ 3077560 h 3839560"/>
-              <a:gd name="connsiteX12" fmla="*/ 318654 w 6927273"/>
-              <a:gd name="connsiteY12" fmla="*/ 2994433 h 3839560"/>
-              <a:gd name="connsiteX13" fmla="*/ 346364 w 6927273"/>
-              <a:gd name="connsiteY13" fmla="*/ 2952870 h 3839560"/>
-              <a:gd name="connsiteX14" fmla="*/ 374073 w 6927273"/>
-              <a:gd name="connsiteY14" fmla="*/ 2911306 h 3839560"/>
-              <a:gd name="connsiteX15" fmla="*/ 415636 w 6927273"/>
-              <a:gd name="connsiteY15" fmla="*/ 2855888 h 3839560"/>
-              <a:gd name="connsiteX16" fmla="*/ 471054 w 6927273"/>
-              <a:gd name="connsiteY16" fmla="*/ 2772760 h 3839560"/>
-              <a:gd name="connsiteX17" fmla="*/ 498764 w 6927273"/>
-              <a:gd name="connsiteY17" fmla="*/ 2717342 h 3839560"/>
-              <a:gd name="connsiteX18" fmla="*/ 540327 w 6927273"/>
-              <a:gd name="connsiteY18" fmla="*/ 2675779 h 3839560"/>
-              <a:gd name="connsiteX19" fmla="*/ 568036 w 6927273"/>
-              <a:gd name="connsiteY19" fmla="*/ 2634215 h 3839560"/>
-              <a:gd name="connsiteX20" fmla="*/ 609600 w 6927273"/>
-              <a:gd name="connsiteY20" fmla="*/ 2592651 h 3839560"/>
-              <a:gd name="connsiteX21" fmla="*/ 678873 w 6927273"/>
-              <a:gd name="connsiteY21" fmla="*/ 2509524 h 3839560"/>
-              <a:gd name="connsiteX22" fmla="*/ 734291 w 6927273"/>
-              <a:gd name="connsiteY22" fmla="*/ 2426397 h 3839560"/>
-              <a:gd name="connsiteX23" fmla="*/ 803564 w 6927273"/>
-              <a:gd name="connsiteY23" fmla="*/ 2357124 h 3839560"/>
-              <a:gd name="connsiteX24" fmla="*/ 872836 w 6927273"/>
-              <a:gd name="connsiteY24" fmla="*/ 2273997 h 3839560"/>
-              <a:gd name="connsiteX25" fmla="*/ 900545 w 6927273"/>
-              <a:gd name="connsiteY25" fmla="*/ 2232433 h 3839560"/>
-              <a:gd name="connsiteX26" fmla="*/ 942109 w 6927273"/>
-              <a:gd name="connsiteY26" fmla="*/ 2204724 h 3839560"/>
-              <a:gd name="connsiteX27" fmla="*/ 997527 w 6927273"/>
-              <a:gd name="connsiteY27" fmla="*/ 2135451 h 3839560"/>
-              <a:gd name="connsiteX28" fmla="*/ 1080654 w 6927273"/>
-              <a:gd name="connsiteY28" fmla="*/ 2066179 h 3839560"/>
-              <a:gd name="connsiteX29" fmla="*/ 1122218 w 6927273"/>
-              <a:gd name="connsiteY29" fmla="*/ 2010760 h 3839560"/>
-              <a:gd name="connsiteX30" fmla="*/ 1163782 w 6927273"/>
-              <a:gd name="connsiteY30" fmla="*/ 1983051 h 3839560"/>
-              <a:gd name="connsiteX31" fmla="*/ 1260764 w 6927273"/>
-              <a:gd name="connsiteY31" fmla="*/ 1899924 h 3839560"/>
-              <a:gd name="connsiteX32" fmla="*/ 1302327 w 6927273"/>
-              <a:gd name="connsiteY32" fmla="*/ 1872215 h 3839560"/>
-              <a:gd name="connsiteX33" fmla="*/ 1343891 w 6927273"/>
-              <a:gd name="connsiteY33" fmla="*/ 1830651 h 3839560"/>
-              <a:gd name="connsiteX34" fmla="*/ 1385454 w 6927273"/>
-              <a:gd name="connsiteY34" fmla="*/ 1802942 h 3839560"/>
-              <a:gd name="connsiteX35" fmla="*/ 1427018 w 6927273"/>
-              <a:gd name="connsiteY35" fmla="*/ 1761379 h 3839560"/>
-              <a:gd name="connsiteX36" fmla="*/ 1510145 w 6927273"/>
-              <a:gd name="connsiteY36" fmla="*/ 1705960 h 3839560"/>
-              <a:gd name="connsiteX37" fmla="*/ 1551709 w 6927273"/>
-              <a:gd name="connsiteY37" fmla="*/ 1664397 h 3839560"/>
-              <a:gd name="connsiteX38" fmla="*/ 1607127 w 6927273"/>
-              <a:gd name="connsiteY38" fmla="*/ 1636688 h 3839560"/>
-              <a:gd name="connsiteX39" fmla="*/ 1648691 w 6927273"/>
-              <a:gd name="connsiteY39" fmla="*/ 1595124 h 3839560"/>
-              <a:gd name="connsiteX40" fmla="*/ 1704109 w 6927273"/>
-              <a:gd name="connsiteY40" fmla="*/ 1553560 h 3839560"/>
-              <a:gd name="connsiteX41" fmla="*/ 1842654 w 6927273"/>
-              <a:gd name="connsiteY41" fmla="*/ 1456579 h 3839560"/>
-              <a:gd name="connsiteX42" fmla="*/ 1870364 w 6927273"/>
-              <a:gd name="connsiteY42" fmla="*/ 1428870 h 3839560"/>
-              <a:gd name="connsiteX43" fmla="*/ 1911927 w 6927273"/>
-              <a:gd name="connsiteY43" fmla="*/ 1415015 h 3839560"/>
-              <a:gd name="connsiteX44" fmla="*/ 2022764 w 6927273"/>
-              <a:gd name="connsiteY44" fmla="*/ 1331888 h 3839560"/>
-              <a:gd name="connsiteX45" fmla="*/ 2105891 w 6927273"/>
-              <a:gd name="connsiteY45" fmla="*/ 1276470 h 3839560"/>
-              <a:gd name="connsiteX46" fmla="*/ 2147454 w 6927273"/>
-              <a:gd name="connsiteY46" fmla="*/ 1248760 h 3839560"/>
-              <a:gd name="connsiteX47" fmla="*/ 2216727 w 6927273"/>
-              <a:gd name="connsiteY47" fmla="*/ 1207197 h 3839560"/>
-              <a:gd name="connsiteX48" fmla="*/ 2341418 w 6927273"/>
-              <a:gd name="connsiteY48" fmla="*/ 1137924 h 3839560"/>
-              <a:gd name="connsiteX49" fmla="*/ 2424545 w 6927273"/>
-              <a:gd name="connsiteY49" fmla="*/ 1082506 h 3839560"/>
-              <a:gd name="connsiteX50" fmla="*/ 2563091 w 6927273"/>
-              <a:gd name="connsiteY50" fmla="*/ 1013233 h 3839560"/>
-              <a:gd name="connsiteX51" fmla="*/ 2604654 w 6927273"/>
-              <a:gd name="connsiteY51" fmla="*/ 985524 h 3839560"/>
-              <a:gd name="connsiteX52" fmla="*/ 2687782 w 6927273"/>
-              <a:gd name="connsiteY52" fmla="*/ 957815 h 3839560"/>
-              <a:gd name="connsiteX53" fmla="*/ 2812473 w 6927273"/>
-              <a:gd name="connsiteY53" fmla="*/ 888542 h 3839560"/>
-              <a:gd name="connsiteX54" fmla="*/ 2854036 w 6927273"/>
-              <a:gd name="connsiteY54" fmla="*/ 846979 h 3839560"/>
-              <a:gd name="connsiteX55" fmla="*/ 2909454 w 6927273"/>
-              <a:gd name="connsiteY55" fmla="*/ 833124 h 3839560"/>
-              <a:gd name="connsiteX56" fmla="*/ 2951018 w 6927273"/>
-              <a:gd name="connsiteY56" fmla="*/ 819270 h 3839560"/>
-              <a:gd name="connsiteX57" fmla="*/ 3034145 w 6927273"/>
-              <a:gd name="connsiteY57" fmla="*/ 777706 h 3839560"/>
-              <a:gd name="connsiteX58" fmla="*/ 3075709 w 6927273"/>
-              <a:gd name="connsiteY58" fmla="*/ 749997 h 3839560"/>
-              <a:gd name="connsiteX59" fmla="*/ 3158836 w 6927273"/>
-              <a:gd name="connsiteY59" fmla="*/ 722288 h 3839560"/>
-              <a:gd name="connsiteX60" fmla="*/ 3228109 w 6927273"/>
-              <a:gd name="connsiteY60" fmla="*/ 694579 h 3839560"/>
-              <a:gd name="connsiteX61" fmla="*/ 3283527 w 6927273"/>
-              <a:gd name="connsiteY61" fmla="*/ 666870 h 3839560"/>
-              <a:gd name="connsiteX62" fmla="*/ 3366654 w 6927273"/>
-              <a:gd name="connsiteY62" fmla="*/ 639160 h 3839560"/>
-              <a:gd name="connsiteX63" fmla="*/ 3491345 w 6927273"/>
-              <a:gd name="connsiteY63" fmla="*/ 583742 h 3839560"/>
-              <a:gd name="connsiteX64" fmla="*/ 3546764 w 6927273"/>
-              <a:gd name="connsiteY64" fmla="*/ 556033 h 3839560"/>
-              <a:gd name="connsiteX65" fmla="*/ 3685309 w 6927273"/>
-              <a:gd name="connsiteY65" fmla="*/ 514470 h 3839560"/>
-              <a:gd name="connsiteX66" fmla="*/ 3796145 w 6927273"/>
-              <a:gd name="connsiteY66" fmla="*/ 472906 h 3839560"/>
-              <a:gd name="connsiteX67" fmla="*/ 3920836 w 6927273"/>
-              <a:gd name="connsiteY67" fmla="*/ 431342 h 3839560"/>
-              <a:gd name="connsiteX68" fmla="*/ 3962400 w 6927273"/>
-              <a:gd name="connsiteY68" fmla="*/ 417488 h 3839560"/>
-              <a:gd name="connsiteX69" fmla="*/ 4017818 w 6927273"/>
-              <a:gd name="connsiteY69" fmla="*/ 403633 h 3839560"/>
-              <a:gd name="connsiteX70" fmla="*/ 4087091 w 6927273"/>
-              <a:gd name="connsiteY70" fmla="*/ 375924 h 3839560"/>
-              <a:gd name="connsiteX71" fmla="*/ 4184073 w 6927273"/>
-              <a:gd name="connsiteY71" fmla="*/ 362070 h 3839560"/>
-              <a:gd name="connsiteX72" fmla="*/ 4308764 w 6927273"/>
-              <a:gd name="connsiteY72" fmla="*/ 334360 h 3839560"/>
-              <a:gd name="connsiteX73" fmla="*/ 4350327 w 6927273"/>
-              <a:gd name="connsiteY73" fmla="*/ 320506 h 3839560"/>
-              <a:gd name="connsiteX74" fmla="*/ 4475018 w 6927273"/>
-              <a:gd name="connsiteY74" fmla="*/ 306651 h 3839560"/>
-              <a:gd name="connsiteX75" fmla="*/ 4641273 w 6927273"/>
-              <a:gd name="connsiteY75" fmla="*/ 278942 h 3839560"/>
-              <a:gd name="connsiteX76" fmla="*/ 4696691 w 6927273"/>
-              <a:gd name="connsiteY76" fmla="*/ 265088 h 3839560"/>
-              <a:gd name="connsiteX77" fmla="*/ 4779818 w 6927273"/>
-              <a:gd name="connsiteY77" fmla="*/ 251233 h 3839560"/>
-              <a:gd name="connsiteX78" fmla="*/ 4835236 w 6927273"/>
-              <a:gd name="connsiteY78" fmla="*/ 237379 h 3839560"/>
-              <a:gd name="connsiteX79" fmla="*/ 5029200 w 6927273"/>
-              <a:gd name="connsiteY79" fmla="*/ 209670 h 3839560"/>
-              <a:gd name="connsiteX80" fmla="*/ 5126182 w 6927273"/>
-              <a:gd name="connsiteY80" fmla="*/ 195815 h 3839560"/>
-              <a:gd name="connsiteX81" fmla="*/ 5361709 w 6927273"/>
-              <a:gd name="connsiteY81" fmla="*/ 154251 h 3839560"/>
-              <a:gd name="connsiteX82" fmla="*/ 5361709 w 6927273"/>
-              <a:gd name="connsiteY82" fmla="*/ 154251 h 3839560"/>
-              <a:gd name="connsiteX83" fmla="*/ 5486400 w 6927273"/>
-              <a:gd name="connsiteY83" fmla="*/ 126542 h 3839560"/>
-              <a:gd name="connsiteX84" fmla="*/ 5583382 w 6927273"/>
-              <a:gd name="connsiteY84" fmla="*/ 112688 h 3839560"/>
-              <a:gd name="connsiteX85" fmla="*/ 5624945 w 6927273"/>
-              <a:gd name="connsiteY85" fmla="*/ 98833 h 3839560"/>
-              <a:gd name="connsiteX86" fmla="*/ 5929745 w 6927273"/>
-              <a:gd name="connsiteY86" fmla="*/ 57270 h 3839560"/>
-              <a:gd name="connsiteX87" fmla="*/ 6096000 w 6927273"/>
-              <a:gd name="connsiteY87" fmla="*/ 29560 h 3839560"/>
-              <a:gd name="connsiteX88" fmla="*/ 6220691 w 6927273"/>
-              <a:gd name="connsiteY88" fmla="*/ 15706 h 3839560"/>
-              <a:gd name="connsiteX89" fmla="*/ 6289964 w 6927273"/>
-              <a:gd name="connsiteY89" fmla="*/ 1851 h 3839560"/>
-              <a:gd name="connsiteX90" fmla="*/ 6927273 w 6927273"/>
-              <a:gd name="connsiteY90" fmla="*/ 1851 h 3839560"/>
-              <a:gd name="connsiteX91" fmla="*/ 6927273 w 6927273"/>
-              <a:gd name="connsiteY91" fmla="*/ 3839560 h 3839560"/>
-              <a:gd name="connsiteX92" fmla="*/ 0 w 6927273"/>
-              <a:gd name="connsiteY92" fmla="*/ 3825706 h 3839560"/>
+              <a:gd name="connsiteX0" fmla="*/ 0 w 8337699"/>
+              <a:gd name="connsiteY0" fmla="*/ 4378036 h 4391891"/>
+              <a:gd name="connsiteX1" fmla="*/ 0 w 8337699"/>
+              <a:gd name="connsiteY1" fmla="*/ 4378036 h 4391891"/>
+              <a:gd name="connsiteX2" fmla="*/ 13855 w 8337699"/>
+              <a:gd name="connsiteY2" fmla="*/ 4253345 h 4391891"/>
+              <a:gd name="connsiteX3" fmla="*/ 55419 w 8337699"/>
+              <a:gd name="connsiteY3" fmla="*/ 4128655 h 4391891"/>
+              <a:gd name="connsiteX4" fmla="*/ 83128 w 8337699"/>
+              <a:gd name="connsiteY4" fmla="*/ 4045527 h 4391891"/>
+              <a:gd name="connsiteX5" fmla="*/ 221673 w 8337699"/>
+              <a:gd name="connsiteY5" fmla="*/ 3837709 h 4391891"/>
+              <a:gd name="connsiteX6" fmla="*/ 277091 w 8337699"/>
+              <a:gd name="connsiteY6" fmla="*/ 3754582 h 4391891"/>
+              <a:gd name="connsiteX7" fmla="*/ 304800 w 8337699"/>
+              <a:gd name="connsiteY7" fmla="*/ 3713018 h 4391891"/>
+              <a:gd name="connsiteX8" fmla="*/ 360219 w 8337699"/>
+              <a:gd name="connsiteY8" fmla="*/ 3643745 h 4391891"/>
+              <a:gd name="connsiteX9" fmla="*/ 415637 w 8337699"/>
+              <a:gd name="connsiteY9" fmla="*/ 3560618 h 4391891"/>
+              <a:gd name="connsiteX10" fmla="*/ 429491 w 8337699"/>
+              <a:gd name="connsiteY10" fmla="*/ 3519055 h 4391891"/>
+              <a:gd name="connsiteX11" fmla="*/ 471055 w 8337699"/>
+              <a:gd name="connsiteY11" fmla="*/ 3491345 h 4391891"/>
+              <a:gd name="connsiteX12" fmla="*/ 512619 w 8337699"/>
+              <a:gd name="connsiteY12" fmla="*/ 3449782 h 4391891"/>
+              <a:gd name="connsiteX13" fmla="*/ 581891 w 8337699"/>
+              <a:gd name="connsiteY13" fmla="*/ 3352800 h 4391891"/>
+              <a:gd name="connsiteX14" fmla="*/ 609600 w 8337699"/>
+              <a:gd name="connsiteY14" fmla="*/ 3297382 h 4391891"/>
+              <a:gd name="connsiteX15" fmla="*/ 637310 w 8337699"/>
+              <a:gd name="connsiteY15" fmla="*/ 3269673 h 4391891"/>
+              <a:gd name="connsiteX16" fmla="*/ 706582 w 8337699"/>
+              <a:gd name="connsiteY16" fmla="*/ 3172691 h 4391891"/>
+              <a:gd name="connsiteX17" fmla="*/ 748146 w 8337699"/>
+              <a:gd name="connsiteY17" fmla="*/ 3131127 h 4391891"/>
+              <a:gd name="connsiteX18" fmla="*/ 803564 w 8337699"/>
+              <a:gd name="connsiteY18" fmla="*/ 3048000 h 4391891"/>
+              <a:gd name="connsiteX19" fmla="*/ 845128 w 8337699"/>
+              <a:gd name="connsiteY19" fmla="*/ 3006436 h 4391891"/>
+              <a:gd name="connsiteX20" fmla="*/ 900546 w 8337699"/>
+              <a:gd name="connsiteY20" fmla="*/ 2923309 h 4391891"/>
+              <a:gd name="connsiteX21" fmla="*/ 942110 w 8337699"/>
+              <a:gd name="connsiteY21" fmla="*/ 2881745 h 4391891"/>
+              <a:gd name="connsiteX22" fmla="*/ 983673 w 8337699"/>
+              <a:gd name="connsiteY22" fmla="*/ 2826327 h 4391891"/>
+              <a:gd name="connsiteX23" fmla="*/ 1011382 w 8337699"/>
+              <a:gd name="connsiteY23" fmla="*/ 2784764 h 4391891"/>
+              <a:gd name="connsiteX24" fmla="*/ 1066800 w 8337699"/>
+              <a:gd name="connsiteY24" fmla="*/ 2743200 h 4391891"/>
+              <a:gd name="connsiteX25" fmla="*/ 1094510 w 8337699"/>
+              <a:gd name="connsiteY25" fmla="*/ 2715491 h 4391891"/>
+              <a:gd name="connsiteX26" fmla="*/ 1149928 w 8337699"/>
+              <a:gd name="connsiteY26" fmla="*/ 2673927 h 4391891"/>
+              <a:gd name="connsiteX27" fmla="*/ 1302328 w 8337699"/>
+              <a:gd name="connsiteY27" fmla="*/ 2549236 h 4391891"/>
+              <a:gd name="connsiteX28" fmla="*/ 1343891 w 8337699"/>
+              <a:gd name="connsiteY28" fmla="*/ 2521527 h 4391891"/>
+              <a:gd name="connsiteX29" fmla="*/ 1385455 w 8337699"/>
+              <a:gd name="connsiteY29" fmla="*/ 2466109 h 4391891"/>
+              <a:gd name="connsiteX30" fmla="*/ 1440873 w 8337699"/>
+              <a:gd name="connsiteY30" fmla="*/ 2438400 h 4391891"/>
+              <a:gd name="connsiteX31" fmla="*/ 1510146 w 8337699"/>
+              <a:gd name="connsiteY31" fmla="*/ 2396836 h 4391891"/>
+              <a:gd name="connsiteX32" fmla="*/ 1593273 w 8337699"/>
+              <a:gd name="connsiteY32" fmla="*/ 2327564 h 4391891"/>
+              <a:gd name="connsiteX33" fmla="*/ 1676400 w 8337699"/>
+              <a:gd name="connsiteY33" fmla="*/ 2272145 h 4391891"/>
+              <a:gd name="connsiteX34" fmla="*/ 1787237 w 8337699"/>
+              <a:gd name="connsiteY34" fmla="*/ 2189018 h 4391891"/>
+              <a:gd name="connsiteX35" fmla="*/ 1842655 w 8337699"/>
+              <a:gd name="connsiteY35" fmla="*/ 2161309 h 4391891"/>
+              <a:gd name="connsiteX36" fmla="*/ 1925782 w 8337699"/>
+              <a:gd name="connsiteY36" fmla="*/ 2078182 h 4391891"/>
+              <a:gd name="connsiteX37" fmla="*/ 1981200 w 8337699"/>
+              <a:gd name="connsiteY37" fmla="*/ 2036618 h 4391891"/>
+              <a:gd name="connsiteX38" fmla="*/ 2008910 w 8337699"/>
+              <a:gd name="connsiteY38" fmla="*/ 2008909 h 4391891"/>
+              <a:gd name="connsiteX39" fmla="*/ 2064328 w 8337699"/>
+              <a:gd name="connsiteY39" fmla="*/ 1981200 h 4391891"/>
+              <a:gd name="connsiteX40" fmla="*/ 2105891 w 8337699"/>
+              <a:gd name="connsiteY40" fmla="*/ 1953491 h 4391891"/>
+              <a:gd name="connsiteX41" fmla="*/ 2161310 w 8337699"/>
+              <a:gd name="connsiteY41" fmla="*/ 1911927 h 4391891"/>
+              <a:gd name="connsiteX42" fmla="*/ 2272146 w 8337699"/>
+              <a:gd name="connsiteY42" fmla="*/ 1842655 h 4391891"/>
+              <a:gd name="connsiteX43" fmla="*/ 2355273 w 8337699"/>
+              <a:gd name="connsiteY43" fmla="*/ 1801091 h 4391891"/>
+              <a:gd name="connsiteX44" fmla="*/ 2479964 w 8337699"/>
+              <a:gd name="connsiteY44" fmla="*/ 1704109 h 4391891"/>
+              <a:gd name="connsiteX45" fmla="*/ 2521528 w 8337699"/>
+              <a:gd name="connsiteY45" fmla="*/ 1676400 h 4391891"/>
+              <a:gd name="connsiteX46" fmla="*/ 2632364 w 8337699"/>
+              <a:gd name="connsiteY46" fmla="*/ 1593273 h 4391891"/>
+              <a:gd name="connsiteX47" fmla="*/ 2687782 w 8337699"/>
+              <a:gd name="connsiteY47" fmla="*/ 1565564 h 4391891"/>
+              <a:gd name="connsiteX48" fmla="*/ 2743200 w 8337699"/>
+              <a:gd name="connsiteY48" fmla="*/ 1524000 h 4391891"/>
+              <a:gd name="connsiteX49" fmla="*/ 2854037 w 8337699"/>
+              <a:gd name="connsiteY49" fmla="*/ 1468582 h 4391891"/>
+              <a:gd name="connsiteX50" fmla="*/ 2951019 w 8337699"/>
+              <a:gd name="connsiteY50" fmla="*/ 1413164 h 4391891"/>
+              <a:gd name="connsiteX51" fmla="*/ 2992582 w 8337699"/>
+              <a:gd name="connsiteY51" fmla="*/ 1399309 h 4391891"/>
+              <a:gd name="connsiteX52" fmla="*/ 3061855 w 8337699"/>
+              <a:gd name="connsiteY52" fmla="*/ 1357745 h 4391891"/>
+              <a:gd name="connsiteX53" fmla="*/ 3103419 w 8337699"/>
+              <a:gd name="connsiteY53" fmla="*/ 1330036 h 4391891"/>
+              <a:gd name="connsiteX54" fmla="*/ 3158837 w 8337699"/>
+              <a:gd name="connsiteY54" fmla="*/ 1316182 h 4391891"/>
+              <a:gd name="connsiteX55" fmla="*/ 3214255 w 8337699"/>
+              <a:gd name="connsiteY55" fmla="*/ 1288473 h 4391891"/>
+              <a:gd name="connsiteX56" fmla="*/ 3297382 w 8337699"/>
+              <a:gd name="connsiteY56" fmla="*/ 1233055 h 4391891"/>
+              <a:gd name="connsiteX57" fmla="*/ 3352800 w 8337699"/>
+              <a:gd name="connsiteY57" fmla="*/ 1219200 h 4391891"/>
+              <a:gd name="connsiteX58" fmla="*/ 3435928 w 8337699"/>
+              <a:gd name="connsiteY58" fmla="*/ 1177636 h 4391891"/>
+              <a:gd name="connsiteX59" fmla="*/ 3477491 w 8337699"/>
+              <a:gd name="connsiteY59" fmla="*/ 1149927 h 4391891"/>
+              <a:gd name="connsiteX60" fmla="*/ 3532910 w 8337699"/>
+              <a:gd name="connsiteY60" fmla="*/ 1122218 h 4391891"/>
+              <a:gd name="connsiteX61" fmla="*/ 3616037 w 8337699"/>
+              <a:gd name="connsiteY61" fmla="*/ 1080655 h 4391891"/>
+              <a:gd name="connsiteX62" fmla="*/ 3699164 w 8337699"/>
+              <a:gd name="connsiteY62" fmla="*/ 1025236 h 4391891"/>
+              <a:gd name="connsiteX63" fmla="*/ 3754582 w 8337699"/>
+              <a:gd name="connsiteY63" fmla="*/ 983673 h 4391891"/>
+              <a:gd name="connsiteX64" fmla="*/ 3796146 w 8337699"/>
+              <a:gd name="connsiteY64" fmla="*/ 969818 h 4391891"/>
+              <a:gd name="connsiteX65" fmla="*/ 3920837 w 8337699"/>
+              <a:gd name="connsiteY65" fmla="*/ 914400 h 4391891"/>
+              <a:gd name="connsiteX66" fmla="*/ 3948546 w 8337699"/>
+              <a:gd name="connsiteY66" fmla="*/ 872836 h 4391891"/>
+              <a:gd name="connsiteX67" fmla="*/ 3990110 w 8337699"/>
+              <a:gd name="connsiteY67" fmla="*/ 858982 h 4391891"/>
+              <a:gd name="connsiteX68" fmla="*/ 4031673 w 8337699"/>
+              <a:gd name="connsiteY68" fmla="*/ 831273 h 4391891"/>
+              <a:gd name="connsiteX69" fmla="*/ 4073237 w 8337699"/>
+              <a:gd name="connsiteY69" fmla="*/ 817418 h 4391891"/>
+              <a:gd name="connsiteX70" fmla="*/ 4170219 w 8337699"/>
+              <a:gd name="connsiteY70" fmla="*/ 762000 h 4391891"/>
+              <a:gd name="connsiteX71" fmla="*/ 4211782 w 8337699"/>
+              <a:gd name="connsiteY71" fmla="*/ 748145 h 4391891"/>
+              <a:gd name="connsiteX72" fmla="*/ 4253346 w 8337699"/>
+              <a:gd name="connsiteY72" fmla="*/ 720436 h 4391891"/>
+              <a:gd name="connsiteX73" fmla="*/ 4336473 w 8337699"/>
+              <a:gd name="connsiteY73" fmla="*/ 692727 h 4391891"/>
+              <a:gd name="connsiteX74" fmla="*/ 4391891 w 8337699"/>
+              <a:gd name="connsiteY74" fmla="*/ 665018 h 4391891"/>
+              <a:gd name="connsiteX75" fmla="*/ 4447310 w 8337699"/>
+              <a:gd name="connsiteY75" fmla="*/ 623455 h 4391891"/>
+              <a:gd name="connsiteX76" fmla="*/ 4530437 w 8337699"/>
+              <a:gd name="connsiteY76" fmla="*/ 595745 h 4391891"/>
+              <a:gd name="connsiteX77" fmla="*/ 4572000 w 8337699"/>
+              <a:gd name="connsiteY77" fmla="*/ 581891 h 4391891"/>
+              <a:gd name="connsiteX78" fmla="*/ 4613564 w 8337699"/>
+              <a:gd name="connsiteY78" fmla="*/ 554182 h 4391891"/>
+              <a:gd name="connsiteX79" fmla="*/ 4710546 w 8337699"/>
+              <a:gd name="connsiteY79" fmla="*/ 526473 h 4391891"/>
+              <a:gd name="connsiteX80" fmla="*/ 4752110 w 8337699"/>
+              <a:gd name="connsiteY80" fmla="*/ 498764 h 4391891"/>
+              <a:gd name="connsiteX81" fmla="*/ 4890655 w 8337699"/>
+              <a:gd name="connsiteY81" fmla="*/ 457200 h 4391891"/>
+              <a:gd name="connsiteX82" fmla="*/ 4946073 w 8337699"/>
+              <a:gd name="connsiteY82" fmla="*/ 429491 h 4391891"/>
+              <a:gd name="connsiteX83" fmla="*/ 5056910 w 8337699"/>
+              <a:gd name="connsiteY83" fmla="*/ 401782 h 4391891"/>
+              <a:gd name="connsiteX84" fmla="*/ 5181600 w 8337699"/>
+              <a:gd name="connsiteY84" fmla="*/ 374073 h 4391891"/>
+              <a:gd name="connsiteX85" fmla="*/ 5334000 w 8337699"/>
+              <a:gd name="connsiteY85" fmla="*/ 346364 h 4391891"/>
+              <a:gd name="connsiteX86" fmla="*/ 5403273 w 8337699"/>
+              <a:gd name="connsiteY86" fmla="*/ 332509 h 4391891"/>
+              <a:gd name="connsiteX87" fmla="*/ 5611091 w 8337699"/>
+              <a:gd name="connsiteY87" fmla="*/ 304800 h 4391891"/>
+              <a:gd name="connsiteX88" fmla="*/ 5749637 w 8337699"/>
+              <a:gd name="connsiteY88" fmla="*/ 290945 h 4391891"/>
+              <a:gd name="connsiteX89" fmla="*/ 5985164 w 8337699"/>
+              <a:gd name="connsiteY89" fmla="*/ 249382 h 4391891"/>
+              <a:gd name="connsiteX90" fmla="*/ 6068291 w 8337699"/>
+              <a:gd name="connsiteY90" fmla="*/ 235527 h 4391891"/>
+              <a:gd name="connsiteX91" fmla="*/ 6262255 w 8337699"/>
+              <a:gd name="connsiteY91" fmla="*/ 207818 h 4391891"/>
+              <a:gd name="connsiteX92" fmla="*/ 6511637 w 8337699"/>
+              <a:gd name="connsiteY92" fmla="*/ 166255 h 4391891"/>
+              <a:gd name="connsiteX93" fmla="*/ 6622473 w 8337699"/>
+              <a:gd name="connsiteY93" fmla="*/ 152400 h 4391891"/>
+              <a:gd name="connsiteX94" fmla="*/ 6677891 w 8337699"/>
+              <a:gd name="connsiteY94" fmla="*/ 138545 h 4391891"/>
+              <a:gd name="connsiteX95" fmla="*/ 6802582 w 8337699"/>
+              <a:gd name="connsiteY95" fmla="*/ 124691 h 4391891"/>
+              <a:gd name="connsiteX96" fmla="*/ 7204364 w 8337699"/>
+              <a:gd name="connsiteY96" fmla="*/ 96982 h 4391891"/>
+              <a:gd name="connsiteX97" fmla="*/ 7370619 w 8337699"/>
+              <a:gd name="connsiteY97" fmla="*/ 69273 h 4391891"/>
+              <a:gd name="connsiteX98" fmla="*/ 7523019 w 8337699"/>
+              <a:gd name="connsiteY98" fmla="*/ 55418 h 4391891"/>
+              <a:gd name="connsiteX99" fmla="*/ 7606146 w 8337699"/>
+              <a:gd name="connsiteY99" fmla="*/ 41564 h 4391891"/>
+              <a:gd name="connsiteX100" fmla="*/ 8077200 w 8337699"/>
+              <a:gd name="connsiteY100" fmla="*/ 0 h 4391891"/>
+              <a:gd name="connsiteX101" fmla="*/ 8271164 w 8337699"/>
+              <a:gd name="connsiteY101" fmla="*/ 13855 h 4391891"/>
+              <a:gd name="connsiteX102" fmla="*/ 8298873 w 8337699"/>
+              <a:gd name="connsiteY102" fmla="*/ 27709 h 4391891"/>
+              <a:gd name="connsiteX103" fmla="*/ 8298873 w 8337699"/>
+              <a:gd name="connsiteY103" fmla="*/ 27709 h 4391891"/>
+              <a:gd name="connsiteX104" fmla="*/ 8298873 w 8337699"/>
+              <a:gd name="connsiteY104" fmla="*/ 4391891 h 4391891"/>
+              <a:gd name="connsiteX105" fmla="*/ 0 w 8337699"/>
+              <a:gd name="connsiteY105" fmla="*/ 4378036 h 4391891"/>
             </a:gdLst>
             <a:ahLst/>
             <a:cxnLst>
@@ -3446,458 +3477,560 @@
               <a:cxn ang="0">
                 <a:pos x="connsiteX92" y="connsiteY92"/>
               </a:cxn>
+              <a:cxn ang="0">
+                <a:pos x="connsiteX93" y="connsiteY93"/>
+              </a:cxn>
+              <a:cxn ang="0">
+                <a:pos x="connsiteX94" y="connsiteY94"/>
+              </a:cxn>
+              <a:cxn ang="0">
+                <a:pos x="connsiteX95" y="connsiteY95"/>
+              </a:cxn>
+              <a:cxn ang="0">
+                <a:pos x="connsiteX96" y="connsiteY96"/>
+              </a:cxn>
+              <a:cxn ang="0">
+                <a:pos x="connsiteX97" y="connsiteY97"/>
+              </a:cxn>
+              <a:cxn ang="0">
+                <a:pos x="connsiteX98" y="connsiteY98"/>
+              </a:cxn>
+              <a:cxn ang="0">
+                <a:pos x="connsiteX99" y="connsiteY99"/>
+              </a:cxn>
+              <a:cxn ang="0">
+                <a:pos x="connsiteX100" y="connsiteY100"/>
+              </a:cxn>
+              <a:cxn ang="0">
+                <a:pos x="connsiteX101" y="connsiteY101"/>
+              </a:cxn>
+              <a:cxn ang="0">
+                <a:pos x="connsiteX102" y="connsiteY102"/>
+              </a:cxn>
+              <a:cxn ang="0">
+                <a:pos x="connsiteX103" y="connsiteY103"/>
+              </a:cxn>
+              <a:cxn ang="0">
+                <a:pos x="connsiteX104" y="connsiteY104"/>
+              </a:cxn>
+              <a:cxn ang="0">
+                <a:pos x="connsiteX105" y="connsiteY105"/>
+              </a:cxn>
             </a:cxnLst>
             <a:rect l="l" t="t" r="r" b="b"/>
             <a:pathLst>
-              <a:path w="6927273" h="3839560">
+              <a:path w="8337699" h="4391891">
                 <a:moveTo>
-                  <a:pt x="0" y="3825706"/>
+                  <a:pt x="0" y="4378036"/>
                 </a:moveTo>
                 <a:lnTo>
-                  <a:pt x="0" y="3825706"/>
+                  <a:pt x="0" y="4378036"/>
                 </a:lnTo>
                 <a:cubicBezTo>
-                  <a:pt x="4618" y="3784142"/>
-                  <a:pt x="6979" y="3742265"/>
-                  <a:pt x="13854" y="3701015"/>
-                </a:cubicBezTo>
-                <a:cubicBezTo>
-                  <a:pt x="16255" y="3686610"/>
-                  <a:pt x="23697" y="3673493"/>
-                  <a:pt x="27709" y="3659451"/>
-                </a:cubicBezTo>
-                <a:cubicBezTo>
-                  <a:pt x="32940" y="3641142"/>
-                  <a:pt x="38158" y="3622767"/>
-                  <a:pt x="41564" y="3604033"/>
-                </a:cubicBezTo>
-                <a:cubicBezTo>
-                  <a:pt x="70340" y="3445762"/>
-                  <a:pt x="35439" y="3566988"/>
-                  <a:pt x="83127" y="3423924"/>
+                  <a:pt x="4618" y="4336472"/>
+                  <a:pt x="5653" y="4294352"/>
+                  <a:pt x="13855" y="4253345"/>
+                </a:cubicBezTo>
+                <a:cubicBezTo>
+                  <a:pt x="13858" y="4253328"/>
+                  <a:pt x="48489" y="4149445"/>
+                  <a:pt x="55419" y="4128655"/>
+                </a:cubicBezTo>
+                <a:cubicBezTo>
+                  <a:pt x="55421" y="4128650"/>
+                  <a:pt x="83125" y="4045531"/>
+                  <a:pt x="83128" y="4045527"/>
                 </a:cubicBezTo>
                 <a:lnTo>
-                  <a:pt x="96982" y="3382360"/>
-                </a:lnTo>
-                <a:cubicBezTo>
-                  <a:pt x="101600" y="3368506"/>
-                  <a:pt x="104305" y="3353859"/>
-                  <a:pt x="110836" y="3340797"/>
-                </a:cubicBezTo>
-                <a:cubicBezTo>
-                  <a:pt x="120072" y="3322324"/>
-                  <a:pt x="128298" y="3303311"/>
-                  <a:pt x="138545" y="3285379"/>
-                </a:cubicBezTo>
-                <a:cubicBezTo>
-                  <a:pt x="146806" y="3270922"/>
-                  <a:pt x="158807" y="3258708"/>
-                  <a:pt x="166254" y="3243815"/>
-                </a:cubicBezTo>
-                <a:cubicBezTo>
-                  <a:pt x="243964" y="3088394"/>
-                  <a:pt x="92510" y="3348620"/>
-                  <a:pt x="207818" y="3146833"/>
-                </a:cubicBezTo>
-                <a:cubicBezTo>
-                  <a:pt x="262061" y="3051909"/>
-                  <a:pt x="208622" y="3150379"/>
-                  <a:pt x="263236" y="3077560"/>
-                </a:cubicBezTo>
-                <a:cubicBezTo>
-                  <a:pt x="283217" y="3050918"/>
-                  <a:pt x="300181" y="3022142"/>
-                  <a:pt x="318654" y="2994433"/>
-                </a:cubicBezTo>
-                <a:lnTo>
-                  <a:pt x="346364" y="2952870"/>
-                </a:lnTo>
-                <a:cubicBezTo>
-                  <a:pt x="355601" y="2939015"/>
-                  <a:pt x="364082" y="2924627"/>
-                  <a:pt x="374073" y="2911306"/>
-                </a:cubicBezTo>
-                <a:cubicBezTo>
-                  <a:pt x="387927" y="2892833"/>
-                  <a:pt x="402394" y="2874805"/>
-                  <a:pt x="415636" y="2855888"/>
-                </a:cubicBezTo>
-                <a:cubicBezTo>
-                  <a:pt x="434733" y="2828606"/>
-                  <a:pt x="456160" y="2802546"/>
-                  <a:pt x="471054" y="2772760"/>
-                </a:cubicBezTo>
-                <a:cubicBezTo>
-                  <a:pt x="480291" y="2754287"/>
-                  <a:pt x="486759" y="2734148"/>
-                  <a:pt x="498764" y="2717342"/>
-                </a:cubicBezTo>
-                <a:cubicBezTo>
-                  <a:pt x="510152" y="2701399"/>
-                  <a:pt x="527784" y="2690831"/>
-                  <a:pt x="540327" y="2675779"/>
-                </a:cubicBezTo>
-                <a:cubicBezTo>
-                  <a:pt x="550987" y="2662987"/>
-                  <a:pt x="557376" y="2647007"/>
-                  <a:pt x="568036" y="2634215"/>
-                </a:cubicBezTo>
-                <a:cubicBezTo>
-                  <a:pt x="580579" y="2619163"/>
-                  <a:pt x="597057" y="2607703"/>
-                  <a:pt x="609600" y="2592651"/>
-                </a:cubicBezTo>
-                <a:cubicBezTo>
-                  <a:pt x="706045" y="2476918"/>
-                  <a:pt x="557442" y="2630955"/>
-                  <a:pt x="678873" y="2509524"/>
-                </a:cubicBezTo>
-                <a:cubicBezTo>
-                  <a:pt x="703220" y="2436479"/>
-                  <a:pt x="676635" y="2495584"/>
-                  <a:pt x="734291" y="2426397"/>
-                </a:cubicBezTo>
-                <a:cubicBezTo>
-                  <a:pt x="792020" y="2357123"/>
-                  <a:pt x="727362" y="2407925"/>
-                  <a:pt x="803564" y="2357124"/>
-                </a:cubicBezTo>
-                <a:cubicBezTo>
-                  <a:pt x="872361" y="2253928"/>
-                  <a:pt x="783940" y="2380673"/>
-                  <a:pt x="872836" y="2273997"/>
-                </a:cubicBezTo>
-                <a:cubicBezTo>
-                  <a:pt x="883496" y="2261205"/>
-                  <a:pt x="888771" y="2244207"/>
-                  <a:pt x="900545" y="2232433"/>
-                </a:cubicBezTo>
-                <a:cubicBezTo>
-                  <a:pt x="912319" y="2220659"/>
-                  <a:pt x="930335" y="2216498"/>
-                  <a:pt x="942109" y="2204724"/>
-                </a:cubicBezTo>
-                <a:cubicBezTo>
-                  <a:pt x="963019" y="2183814"/>
-                  <a:pt x="976617" y="2156361"/>
-                  <a:pt x="997527" y="2135451"/>
-                </a:cubicBezTo>
-                <a:cubicBezTo>
-                  <a:pt x="1125796" y="2007182"/>
-                  <a:pt x="944476" y="2225054"/>
-                  <a:pt x="1080654" y="2066179"/>
-                </a:cubicBezTo>
-                <a:cubicBezTo>
-                  <a:pt x="1095682" y="2048647"/>
-                  <a:pt x="1105890" y="2027088"/>
-                  <a:pt x="1122218" y="2010760"/>
-                </a:cubicBezTo>
-                <a:cubicBezTo>
-                  <a:pt x="1133992" y="1998986"/>
-                  <a:pt x="1150232" y="1992729"/>
-                  <a:pt x="1163782" y="1983051"/>
-                </a:cubicBezTo>
-                <a:cubicBezTo>
-                  <a:pt x="1309049" y="1879290"/>
-                  <a:pt x="1139932" y="2000618"/>
-                  <a:pt x="1260764" y="1899924"/>
-                </a:cubicBezTo>
-                <a:cubicBezTo>
-                  <a:pt x="1273556" y="1889264"/>
-                  <a:pt x="1289535" y="1882875"/>
-                  <a:pt x="1302327" y="1872215"/>
-                </a:cubicBezTo>
-                <a:cubicBezTo>
-                  <a:pt x="1317379" y="1859672"/>
-                  <a:pt x="1328839" y="1843194"/>
-                  <a:pt x="1343891" y="1830651"/>
-                </a:cubicBezTo>
-                <a:cubicBezTo>
-                  <a:pt x="1356683" y="1819991"/>
-                  <a:pt x="1372662" y="1813602"/>
-                  <a:pt x="1385454" y="1802942"/>
-                </a:cubicBezTo>
-                <a:cubicBezTo>
-                  <a:pt x="1400506" y="1790399"/>
-                  <a:pt x="1411552" y="1773408"/>
-                  <a:pt x="1427018" y="1761379"/>
-                </a:cubicBezTo>
-                <a:cubicBezTo>
-                  <a:pt x="1453305" y="1740933"/>
-                  <a:pt x="1486596" y="1729508"/>
-                  <a:pt x="1510145" y="1705960"/>
-                </a:cubicBezTo>
-                <a:cubicBezTo>
-                  <a:pt x="1524000" y="1692106"/>
-                  <a:pt x="1535765" y="1675785"/>
-                  <a:pt x="1551709" y="1664397"/>
-                </a:cubicBezTo>
-                <a:cubicBezTo>
-                  <a:pt x="1568515" y="1652393"/>
-                  <a:pt x="1590321" y="1648692"/>
-                  <a:pt x="1607127" y="1636688"/>
-                </a:cubicBezTo>
-                <a:cubicBezTo>
-                  <a:pt x="1623071" y="1625300"/>
-                  <a:pt x="1633815" y="1607875"/>
-                  <a:pt x="1648691" y="1595124"/>
-                </a:cubicBezTo>
-                <a:cubicBezTo>
-                  <a:pt x="1666223" y="1580097"/>
-                  <a:pt x="1685192" y="1566802"/>
-                  <a:pt x="1704109" y="1553560"/>
-                </a:cubicBezTo>
-                <a:cubicBezTo>
-                  <a:pt x="1758067" y="1515789"/>
-                  <a:pt x="1794140" y="1497006"/>
-                  <a:pt x="1842654" y="1456579"/>
-                </a:cubicBezTo>
-                <a:cubicBezTo>
-                  <a:pt x="1852689" y="1448217"/>
-                  <a:pt x="1859163" y="1435591"/>
-                  <a:pt x="1870364" y="1428870"/>
-                </a:cubicBezTo>
-                <a:cubicBezTo>
-                  <a:pt x="1882887" y="1421356"/>
-                  <a:pt x="1899161" y="1422107"/>
-                  <a:pt x="1911927" y="1415015"/>
-                </a:cubicBezTo>
-                <a:cubicBezTo>
-                  <a:pt x="2120221" y="1299295"/>
-                  <a:pt x="1926673" y="1403956"/>
-                  <a:pt x="2022764" y="1331888"/>
-                </a:cubicBezTo>
-                <a:cubicBezTo>
-                  <a:pt x="2049406" y="1311907"/>
-                  <a:pt x="2078182" y="1294943"/>
-                  <a:pt x="2105891" y="1276470"/>
-                </a:cubicBezTo>
-                <a:cubicBezTo>
-                  <a:pt x="2119745" y="1267234"/>
-                  <a:pt x="2135680" y="1260534"/>
-                  <a:pt x="2147454" y="1248760"/>
-                </a:cubicBezTo>
-                <a:cubicBezTo>
-                  <a:pt x="2185491" y="1210725"/>
-                  <a:pt x="2162772" y="1225182"/>
-                  <a:pt x="2216727" y="1207197"/>
-                </a:cubicBezTo>
-                <a:cubicBezTo>
-                  <a:pt x="2312005" y="1143678"/>
-                  <a:pt x="2268261" y="1162310"/>
-                  <a:pt x="2341418" y="1137924"/>
-                </a:cubicBezTo>
-                <a:cubicBezTo>
-                  <a:pt x="2433660" y="1045682"/>
-                  <a:pt x="2334319" y="1132631"/>
-                  <a:pt x="2424545" y="1082506"/>
-                </a:cubicBezTo>
-                <a:cubicBezTo>
-                  <a:pt x="2559507" y="1007528"/>
-                  <a:pt x="2454787" y="1040310"/>
-                  <a:pt x="2563091" y="1013233"/>
-                </a:cubicBezTo>
-                <a:cubicBezTo>
-                  <a:pt x="2576945" y="1003997"/>
-                  <a:pt x="2589438" y="992287"/>
-                  <a:pt x="2604654" y="985524"/>
-                </a:cubicBezTo>
-                <a:cubicBezTo>
-                  <a:pt x="2631345" y="973661"/>
-                  <a:pt x="2663479" y="974017"/>
-                  <a:pt x="2687782" y="957815"/>
-                </a:cubicBezTo>
-                <a:cubicBezTo>
-                  <a:pt x="2783060" y="894296"/>
-                  <a:pt x="2739316" y="912928"/>
-                  <a:pt x="2812473" y="888542"/>
-                </a:cubicBezTo>
-                <a:cubicBezTo>
-                  <a:pt x="2826327" y="874688"/>
-                  <a:pt x="2837025" y="856700"/>
-                  <a:pt x="2854036" y="846979"/>
-                </a:cubicBezTo>
-                <a:cubicBezTo>
-                  <a:pt x="2870568" y="837532"/>
-                  <a:pt x="2891145" y="838355"/>
-                  <a:pt x="2909454" y="833124"/>
-                </a:cubicBezTo>
-                <a:cubicBezTo>
-                  <a:pt x="2923496" y="829112"/>
-                  <a:pt x="2937163" y="823888"/>
-                  <a:pt x="2951018" y="819270"/>
-                </a:cubicBezTo>
-                <a:cubicBezTo>
-                  <a:pt x="3006787" y="763499"/>
-                  <a:pt x="2944778" y="816006"/>
-                  <a:pt x="3034145" y="777706"/>
-                </a:cubicBezTo>
-                <a:cubicBezTo>
-                  <a:pt x="3049450" y="771147"/>
-                  <a:pt x="3060493" y="756760"/>
-                  <a:pt x="3075709" y="749997"/>
-                </a:cubicBezTo>
-                <a:cubicBezTo>
-                  <a:pt x="3102399" y="738135"/>
-                  <a:pt x="3131717" y="733135"/>
-                  <a:pt x="3158836" y="722288"/>
-                </a:cubicBezTo>
-                <a:cubicBezTo>
-                  <a:pt x="3181927" y="713052"/>
-                  <a:pt x="3205383" y="704680"/>
-                  <a:pt x="3228109" y="694579"/>
-                </a:cubicBezTo>
-                <a:cubicBezTo>
-                  <a:pt x="3246982" y="686191"/>
-                  <a:pt x="3264351" y="674540"/>
-                  <a:pt x="3283527" y="666870"/>
-                </a:cubicBezTo>
-                <a:cubicBezTo>
-                  <a:pt x="3310646" y="656022"/>
-                  <a:pt x="3342351" y="655362"/>
-                  <a:pt x="3366654" y="639160"/>
-                </a:cubicBezTo>
-                <a:cubicBezTo>
-                  <a:pt x="3488913" y="557655"/>
-                  <a:pt x="3293504" y="682661"/>
-                  <a:pt x="3491345" y="583742"/>
-                </a:cubicBezTo>
-                <a:cubicBezTo>
-                  <a:pt x="3509818" y="574506"/>
-                  <a:pt x="3527588" y="563703"/>
-                  <a:pt x="3546764" y="556033"/>
-                </a:cubicBezTo>
-                <a:cubicBezTo>
-                  <a:pt x="3602985" y="533545"/>
-                  <a:pt x="3630872" y="528079"/>
-                  <a:pt x="3685309" y="514470"/>
-                </a:cubicBezTo>
-                <a:cubicBezTo>
-                  <a:pt x="3757640" y="466248"/>
-                  <a:pt x="3694742" y="500561"/>
-                  <a:pt x="3796145" y="472906"/>
-                </a:cubicBezTo>
-                <a:cubicBezTo>
-                  <a:pt x="3796188" y="472894"/>
-                  <a:pt x="3900033" y="438276"/>
-                  <a:pt x="3920836" y="431342"/>
-                </a:cubicBezTo>
-                <a:cubicBezTo>
-                  <a:pt x="3934691" y="426724"/>
-                  <a:pt x="3948232" y="421030"/>
-                  <a:pt x="3962400" y="417488"/>
-                </a:cubicBezTo>
-                <a:cubicBezTo>
-                  <a:pt x="3980873" y="412870"/>
-                  <a:pt x="3999754" y="409654"/>
-                  <a:pt x="4017818" y="403633"/>
-                </a:cubicBezTo>
-                <a:cubicBezTo>
-                  <a:pt x="4041411" y="395768"/>
-                  <a:pt x="4062964" y="381956"/>
-                  <a:pt x="4087091" y="375924"/>
-                </a:cubicBezTo>
-                <a:cubicBezTo>
-                  <a:pt x="4118772" y="368004"/>
-                  <a:pt x="4151746" y="366688"/>
-                  <a:pt x="4184073" y="362070"/>
-                </a:cubicBezTo>
-                <a:cubicBezTo>
-                  <a:pt x="4277632" y="330882"/>
-                  <a:pt x="4162476" y="366868"/>
-                  <a:pt x="4308764" y="334360"/>
-                </a:cubicBezTo>
-                <a:cubicBezTo>
-                  <a:pt x="4323020" y="331192"/>
-                  <a:pt x="4335922" y="322907"/>
-                  <a:pt x="4350327" y="320506"/>
-                </a:cubicBezTo>
-                <a:cubicBezTo>
-                  <a:pt x="4391577" y="313631"/>
-                  <a:pt x="4433454" y="311269"/>
-                  <a:pt x="4475018" y="306651"/>
-                </a:cubicBezTo>
-                <a:cubicBezTo>
-                  <a:pt x="4599730" y="275474"/>
-                  <a:pt x="4446677" y="311374"/>
-                  <a:pt x="4641273" y="278942"/>
-                </a:cubicBezTo>
-                <a:cubicBezTo>
-                  <a:pt x="4660055" y="275812"/>
-                  <a:pt x="4678020" y="268822"/>
-                  <a:pt x="4696691" y="265088"/>
-                </a:cubicBezTo>
-                <a:cubicBezTo>
-                  <a:pt x="4724237" y="259579"/>
-                  <a:pt x="4752272" y="256742"/>
-                  <a:pt x="4779818" y="251233"/>
-                </a:cubicBezTo>
-                <a:cubicBezTo>
-                  <a:pt x="4798489" y="247499"/>
-                  <a:pt x="4816565" y="241113"/>
-                  <a:pt x="4835236" y="237379"/>
-                </a:cubicBezTo>
-                <a:cubicBezTo>
-                  <a:pt x="4908261" y="222774"/>
-                  <a:pt x="4952558" y="219889"/>
-                  <a:pt x="5029200" y="209670"/>
-                </a:cubicBezTo>
-                <a:lnTo>
-                  <a:pt x="5126182" y="195815"/>
-                </a:lnTo>
-                <a:cubicBezTo>
-                  <a:pt x="5229704" y="161306"/>
-                  <a:pt x="5153288" y="184025"/>
-                  <a:pt x="5361709" y="154251"/>
-                </a:cubicBezTo>
-                <a:lnTo>
-                  <a:pt x="5361709" y="154251"/>
-                </a:lnTo>
-                <a:cubicBezTo>
-                  <a:pt x="5411519" y="141799"/>
-                  <a:pt x="5433644" y="135335"/>
-                  <a:pt x="5486400" y="126542"/>
-                </a:cubicBezTo>
-                <a:cubicBezTo>
-                  <a:pt x="5518611" y="121173"/>
-                  <a:pt x="5551055" y="117306"/>
-                  <a:pt x="5583382" y="112688"/>
-                </a:cubicBezTo>
-                <a:cubicBezTo>
-                  <a:pt x="5597236" y="108070"/>
-                  <a:pt x="5610563" y="101371"/>
-                  <a:pt x="5624945" y="98833"/>
-                </a:cubicBezTo>
-                <a:cubicBezTo>
-                  <a:pt x="5853688" y="58466"/>
-                  <a:pt x="5755288" y="83439"/>
-                  <a:pt x="5929745" y="57270"/>
-                </a:cubicBezTo>
-                <a:cubicBezTo>
-                  <a:pt x="5985306" y="48936"/>
-                  <a:pt x="6040161" y="35764"/>
-                  <a:pt x="6096000" y="29560"/>
-                </a:cubicBezTo>
-                <a:cubicBezTo>
-                  <a:pt x="6137564" y="24942"/>
-                  <a:pt x="6179292" y="21620"/>
-                  <a:pt x="6220691" y="15706"/>
-                </a:cubicBezTo>
-                <a:cubicBezTo>
-                  <a:pt x="6244003" y="12376"/>
-                  <a:pt x="6266420" y="2313"/>
-                  <a:pt x="6289964" y="1851"/>
-                </a:cubicBezTo>
-                <a:cubicBezTo>
-                  <a:pt x="6502360" y="-2314"/>
-                  <a:pt x="6714837" y="1851"/>
-                  <a:pt x="6927273" y="1851"/>
-                </a:cubicBezTo>
-                <a:lnTo>
-                  <a:pt x="6927273" y="3839560"/>
+                  <a:pt x="221673" y="3837709"/>
                 </a:lnTo>
                 <a:lnTo>
-                  <a:pt x="0" y="3825706"/>
+                  <a:pt x="277091" y="3754582"/>
+                </a:lnTo>
+                <a:cubicBezTo>
+                  <a:pt x="286327" y="3740727"/>
+                  <a:pt x="293026" y="3724792"/>
+                  <a:pt x="304800" y="3713018"/>
+                </a:cubicBezTo>
+                <a:cubicBezTo>
+                  <a:pt x="344284" y="3673535"/>
+                  <a:pt x="325264" y="3696178"/>
+                  <a:pt x="360219" y="3643745"/>
+                </a:cubicBezTo>
+                <a:cubicBezTo>
+                  <a:pt x="393160" y="3544919"/>
+                  <a:pt x="346451" y="3664398"/>
+                  <a:pt x="415637" y="3560618"/>
+                </a:cubicBezTo>
+                <a:cubicBezTo>
+                  <a:pt x="423738" y="3548467"/>
+                  <a:pt x="420368" y="3530459"/>
+                  <a:pt x="429491" y="3519055"/>
+                </a:cubicBezTo>
+                <a:cubicBezTo>
+                  <a:pt x="439893" y="3506052"/>
+                  <a:pt x="458263" y="3502005"/>
+                  <a:pt x="471055" y="3491345"/>
+                </a:cubicBezTo>
+                <a:cubicBezTo>
+                  <a:pt x="486107" y="3478802"/>
+                  <a:pt x="498764" y="3463636"/>
+                  <a:pt x="512619" y="3449782"/>
+                </a:cubicBezTo>
+                <a:cubicBezTo>
+                  <a:pt x="588561" y="3297898"/>
+                  <a:pt x="488279" y="3483858"/>
+                  <a:pt x="581891" y="3352800"/>
+                </a:cubicBezTo>
+                <a:cubicBezTo>
+                  <a:pt x="593895" y="3335994"/>
+                  <a:pt x="598144" y="3314566"/>
+                  <a:pt x="609600" y="3297382"/>
+                </a:cubicBezTo>
+                <a:cubicBezTo>
+                  <a:pt x="616846" y="3286514"/>
+                  <a:pt x="629150" y="3279873"/>
+                  <a:pt x="637310" y="3269673"/>
+                </a:cubicBezTo>
+                <a:cubicBezTo>
+                  <a:pt x="725049" y="3160001"/>
+                  <a:pt x="589545" y="3309235"/>
+                  <a:pt x="706582" y="3172691"/>
+                </a:cubicBezTo>
+                <a:cubicBezTo>
+                  <a:pt x="719333" y="3157815"/>
+                  <a:pt x="736117" y="3146593"/>
+                  <a:pt x="748146" y="3131127"/>
+                </a:cubicBezTo>
+                <a:cubicBezTo>
+                  <a:pt x="768592" y="3104840"/>
+                  <a:pt x="780016" y="3071548"/>
+                  <a:pt x="803564" y="3048000"/>
+                </a:cubicBezTo>
+                <a:cubicBezTo>
+                  <a:pt x="817419" y="3034145"/>
+                  <a:pt x="833099" y="3021902"/>
+                  <a:pt x="845128" y="3006436"/>
+                </a:cubicBezTo>
+                <a:cubicBezTo>
+                  <a:pt x="865574" y="2980149"/>
+                  <a:pt x="876998" y="2946857"/>
+                  <a:pt x="900546" y="2923309"/>
+                </a:cubicBezTo>
+                <a:cubicBezTo>
+                  <a:pt x="914401" y="2909454"/>
+                  <a:pt x="929359" y="2896621"/>
+                  <a:pt x="942110" y="2881745"/>
+                </a:cubicBezTo>
+                <a:cubicBezTo>
+                  <a:pt x="957137" y="2864213"/>
+                  <a:pt x="970252" y="2845117"/>
+                  <a:pt x="983673" y="2826327"/>
+                </a:cubicBezTo>
+                <a:cubicBezTo>
+                  <a:pt x="993351" y="2812778"/>
+                  <a:pt x="999608" y="2796538"/>
+                  <a:pt x="1011382" y="2784764"/>
+                </a:cubicBezTo>
+                <a:cubicBezTo>
+                  <a:pt x="1027710" y="2768436"/>
+                  <a:pt x="1049061" y="2757982"/>
+                  <a:pt x="1066800" y="2743200"/>
+                </a:cubicBezTo>
+                <a:cubicBezTo>
+                  <a:pt x="1076835" y="2734838"/>
+                  <a:pt x="1084475" y="2723853"/>
+                  <a:pt x="1094510" y="2715491"/>
+                </a:cubicBezTo>
+                <a:cubicBezTo>
+                  <a:pt x="1112249" y="2700709"/>
+                  <a:pt x="1132396" y="2688954"/>
+                  <a:pt x="1149928" y="2673927"/>
+                </a:cubicBezTo>
+                <a:cubicBezTo>
+                  <a:pt x="1256329" y="2582725"/>
+                  <a:pt x="1099960" y="2684150"/>
+                  <a:pt x="1302328" y="2549236"/>
+                </a:cubicBezTo>
+                <a:cubicBezTo>
+                  <a:pt x="1316182" y="2540000"/>
+                  <a:pt x="1332117" y="2533301"/>
+                  <a:pt x="1343891" y="2521527"/>
+                </a:cubicBezTo>
+                <a:cubicBezTo>
+                  <a:pt x="1360219" y="2505199"/>
+                  <a:pt x="1367923" y="2481136"/>
+                  <a:pt x="1385455" y="2466109"/>
+                </a:cubicBezTo>
+                <a:cubicBezTo>
+                  <a:pt x="1401136" y="2452668"/>
+                  <a:pt x="1422819" y="2448430"/>
+                  <a:pt x="1440873" y="2438400"/>
+                </a:cubicBezTo>
+                <a:cubicBezTo>
+                  <a:pt x="1464413" y="2425322"/>
+                  <a:pt x="1487055" y="2410691"/>
+                  <a:pt x="1510146" y="2396836"/>
+                </a:cubicBezTo>
+                <a:cubicBezTo>
+                  <a:pt x="1564772" y="2314898"/>
+                  <a:pt x="1503786" y="2391484"/>
+                  <a:pt x="1593273" y="2327564"/>
+                </a:cubicBezTo>
+                <a:cubicBezTo>
+                  <a:pt x="1684083" y="2262700"/>
+                  <a:pt x="1587241" y="2301866"/>
+                  <a:pt x="1676400" y="2272145"/>
+                </a:cubicBezTo>
+                <a:cubicBezTo>
+                  <a:pt x="1715368" y="2233178"/>
+                  <a:pt x="1724576" y="2220349"/>
+                  <a:pt x="1787237" y="2189018"/>
+                </a:cubicBezTo>
+                <a:cubicBezTo>
+                  <a:pt x="1805710" y="2179782"/>
+                  <a:pt x="1826528" y="2174211"/>
+                  <a:pt x="1842655" y="2161309"/>
+                </a:cubicBezTo>
+                <a:cubicBezTo>
+                  <a:pt x="1873254" y="2136829"/>
+                  <a:pt x="1894433" y="2101694"/>
+                  <a:pt x="1925782" y="2078182"/>
+                </a:cubicBezTo>
+                <a:cubicBezTo>
+                  <a:pt x="1944255" y="2064327"/>
+                  <a:pt x="1963461" y="2051400"/>
+                  <a:pt x="1981200" y="2036618"/>
+                </a:cubicBezTo>
+                <a:cubicBezTo>
+                  <a:pt x="1991235" y="2028256"/>
+                  <a:pt x="1998041" y="2016155"/>
+                  <a:pt x="2008910" y="2008909"/>
+                </a:cubicBezTo>
+                <a:cubicBezTo>
+                  <a:pt x="2026094" y="1997453"/>
+                  <a:pt x="2046396" y="1991447"/>
+                  <a:pt x="2064328" y="1981200"/>
+                </a:cubicBezTo>
+                <a:cubicBezTo>
+                  <a:pt x="2078785" y="1972939"/>
+                  <a:pt x="2092342" y="1963169"/>
+                  <a:pt x="2105891" y="1953491"/>
+                </a:cubicBezTo>
+                <a:cubicBezTo>
+                  <a:pt x="2124681" y="1940069"/>
+                  <a:pt x="2142520" y="1925349"/>
+                  <a:pt x="2161310" y="1911927"/>
+                </a:cubicBezTo>
+                <a:cubicBezTo>
+                  <a:pt x="2205639" y="1880263"/>
+                  <a:pt x="2220357" y="1875023"/>
+                  <a:pt x="2272146" y="1842655"/>
+                </a:cubicBezTo>
+                <a:cubicBezTo>
+                  <a:pt x="2333537" y="1804285"/>
+                  <a:pt x="2291181" y="1822455"/>
+                  <a:pt x="2355273" y="1801091"/>
+                </a:cubicBezTo>
+                <a:cubicBezTo>
+                  <a:pt x="2396837" y="1768764"/>
+                  <a:pt x="2436152" y="1733317"/>
+                  <a:pt x="2479964" y="1704109"/>
+                </a:cubicBezTo>
+                <a:cubicBezTo>
+                  <a:pt x="2493819" y="1694873"/>
+                  <a:pt x="2508062" y="1686194"/>
+                  <a:pt x="2521528" y="1676400"/>
+                </a:cubicBezTo>
+                <a:cubicBezTo>
+                  <a:pt x="2558877" y="1649237"/>
+                  <a:pt x="2591058" y="1613926"/>
+                  <a:pt x="2632364" y="1593273"/>
+                </a:cubicBezTo>
+                <a:cubicBezTo>
+                  <a:pt x="2650837" y="1584037"/>
+                  <a:pt x="2670268" y="1576510"/>
+                  <a:pt x="2687782" y="1565564"/>
+                </a:cubicBezTo>
+                <a:cubicBezTo>
+                  <a:pt x="2707363" y="1553326"/>
+                  <a:pt x="2723255" y="1535635"/>
+                  <a:pt x="2743200" y="1524000"/>
+                </a:cubicBezTo>
+                <a:cubicBezTo>
+                  <a:pt x="2778880" y="1503187"/>
+                  <a:pt x="2819668" y="1491495"/>
+                  <a:pt x="2854037" y="1468582"/>
+                </a:cubicBezTo>
+                <a:cubicBezTo>
+                  <a:pt x="2895782" y="1440752"/>
+                  <a:pt x="2901797" y="1434259"/>
+                  <a:pt x="2951019" y="1413164"/>
+                </a:cubicBezTo>
+                <a:cubicBezTo>
+                  <a:pt x="2964442" y="1407411"/>
+                  <a:pt x="2979520" y="1405840"/>
+                  <a:pt x="2992582" y="1399309"/>
+                </a:cubicBezTo>
+                <a:cubicBezTo>
+                  <a:pt x="3016668" y="1387266"/>
+                  <a:pt x="3039020" y="1372017"/>
+                  <a:pt x="3061855" y="1357745"/>
+                </a:cubicBezTo>
+                <a:cubicBezTo>
+                  <a:pt x="3075975" y="1348920"/>
+                  <a:pt x="3088114" y="1336595"/>
+                  <a:pt x="3103419" y="1330036"/>
+                </a:cubicBezTo>
+                <a:cubicBezTo>
+                  <a:pt x="3120921" y="1322535"/>
+                  <a:pt x="3140364" y="1320800"/>
+                  <a:pt x="3158837" y="1316182"/>
+                </a:cubicBezTo>
+                <a:cubicBezTo>
+                  <a:pt x="3177310" y="1306946"/>
+                  <a:pt x="3196545" y="1299099"/>
+                  <a:pt x="3214255" y="1288473"/>
+                </a:cubicBezTo>
+                <a:cubicBezTo>
+                  <a:pt x="3242811" y="1271339"/>
+                  <a:pt x="3265074" y="1241132"/>
+                  <a:pt x="3297382" y="1233055"/>
+                </a:cubicBezTo>
+                <a:lnTo>
+                  <a:pt x="3352800" y="1219200"/>
+                </a:lnTo>
+                <a:cubicBezTo>
+                  <a:pt x="3408572" y="1163430"/>
+                  <a:pt x="3346558" y="1215938"/>
+                  <a:pt x="3435928" y="1177636"/>
+                </a:cubicBezTo>
+                <a:cubicBezTo>
+                  <a:pt x="3451233" y="1171077"/>
+                  <a:pt x="3463034" y="1158188"/>
+                  <a:pt x="3477491" y="1149927"/>
+                </a:cubicBezTo>
+                <a:cubicBezTo>
+                  <a:pt x="3495423" y="1139680"/>
+                  <a:pt x="3514978" y="1132465"/>
+                  <a:pt x="3532910" y="1122218"/>
+                </a:cubicBezTo>
+                <a:cubicBezTo>
+                  <a:pt x="3608111" y="1079246"/>
+                  <a:pt x="3539831" y="1106056"/>
+                  <a:pt x="3616037" y="1080655"/>
+                </a:cubicBezTo>
+                <a:cubicBezTo>
+                  <a:pt x="3643746" y="1062182"/>
+                  <a:pt x="3672522" y="1045217"/>
+                  <a:pt x="3699164" y="1025236"/>
+                </a:cubicBezTo>
+                <a:cubicBezTo>
+                  <a:pt x="3717637" y="1011382"/>
+                  <a:pt x="3734534" y="995129"/>
+                  <a:pt x="3754582" y="983673"/>
+                </a:cubicBezTo>
+                <a:cubicBezTo>
+                  <a:pt x="3767262" y="976427"/>
+                  <a:pt x="3782472" y="974946"/>
+                  <a:pt x="3796146" y="969818"/>
+                </a:cubicBezTo>
+                <a:cubicBezTo>
+                  <a:pt x="3866908" y="943282"/>
+                  <a:pt x="3857863" y="945887"/>
+                  <a:pt x="3920837" y="914400"/>
+                </a:cubicBezTo>
+                <a:cubicBezTo>
+                  <a:pt x="3930073" y="900545"/>
+                  <a:pt x="3935544" y="883238"/>
+                  <a:pt x="3948546" y="872836"/>
+                </a:cubicBezTo>
+                <a:cubicBezTo>
+                  <a:pt x="3959950" y="863713"/>
+                  <a:pt x="3977048" y="865513"/>
+                  <a:pt x="3990110" y="858982"/>
+                </a:cubicBezTo>
+                <a:cubicBezTo>
+                  <a:pt x="4005003" y="851536"/>
+                  <a:pt x="4016780" y="838720"/>
+                  <a:pt x="4031673" y="831273"/>
+                </a:cubicBezTo>
+                <a:cubicBezTo>
+                  <a:pt x="4044735" y="824742"/>
+                  <a:pt x="4059814" y="823171"/>
+                  <a:pt x="4073237" y="817418"/>
+                </a:cubicBezTo>
+                <a:cubicBezTo>
+                  <a:pt x="4243246" y="744556"/>
+                  <a:pt x="4031091" y="831565"/>
+                  <a:pt x="4170219" y="762000"/>
+                </a:cubicBezTo>
+                <a:cubicBezTo>
+                  <a:pt x="4183281" y="755469"/>
+                  <a:pt x="4198720" y="754676"/>
+                  <a:pt x="4211782" y="748145"/>
+                </a:cubicBezTo>
+                <a:cubicBezTo>
+                  <a:pt x="4226675" y="740698"/>
+                  <a:pt x="4238130" y="727199"/>
+                  <a:pt x="4253346" y="720436"/>
+                </a:cubicBezTo>
+                <a:cubicBezTo>
+                  <a:pt x="4280036" y="708574"/>
+                  <a:pt x="4310349" y="705789"/>
+                  <a:pt x="4336473" y="692727"/>
+                </a:cubicBezTo>
+                <a:cubicBezTo>
+                  <a:pt x="4354946" y="683491"/>
+                  <a:pt x="4374377" y="675964"/>
+                  <a:pt x="4391891" y="665018"/>
+                </a:cubicBezTo>
+                <a:cubicBezTo>
+                  <a:pt x="4411472" y="652780"/>
+                  <a:pt x="4426657" y="633782"/>
+                  <a:pt x="4447310" y="623455"/>
+                </a:cubicBezTo>
+                <a:cubicBezTo>
+                  <a:pt x="4473434" y="610393"/>
+                  <a:pt x="4502728" y="604982"/>
+                  <a:pt x="4530437" y="595745"/>
+                </a:cubicBezTo>
+                <a:lnTo>
+                  <a:pt x="4572000" y="581891"/>
+                </a:lnTo>
+                <a:cubicBezTo>
+                  <a:pt x="4585855" y="572655"/>
+                  <a:pt x="4598671" y="561629"/>
+                  <a:pt x="4613564" y="554182"/>
+                </a:cubicBezTo>
+                <a:cubicBezTo>
+                  <a:pt x="4633443" y="544242"/>
+                  <a:pt x="4692785" y="530913"/>
+                  <a:pt x="4710546" y="526473"/>
+                </a:cubicBezTo>
+                <a:cubicBezTo>
+                  <a:pt x="4724401" y="517237"/>
+                  <a:pt x="4736894" y="505527"/>
+                  <a:pt x="4752110" y="498764"/>
+                </a:cubicBezTo>
+                <a:cubicBezTo>
+                  <a:pt x="4922646" y="422971"/>
+                  <a:pt x="4761694" y="505561"/>
+                  <a:pt x="4890655" y="457200"/>
+                </a:cubicBezTo>
+                <a:cubicBezTo>
+                  <a:pt x="4909993" y="449948"/>
+                  <a:pt x="4926480" y="436022"/>
+                  <a:pt x="4946073" y="429491"/>
+                </a:cubicBezTo>
+                <a:cubicBezTo>
+                  <a:pt x="4982201" y="417448"/>
+                  <a:pt x="5019964" y="411018"/>
+                  <a:pt x="5056910" y="401782"/>
+                </a:cubicBezTo>
+                <a:cubicBezTo>
+                  <a:pt x="5192092" y="367986"/>
+                  <a:pt x="5023266" y="409258"/>
+                  <a:pt x="5181600" y="374073"/>
+                </a:cubicBezTo>
+                <a:cubicBezTo>
+                  <a:pt x="5341210" y="338604"/>
+                  <a:pt x="5093816" y="386395"/>
+                  <a:pt x="5334000" y="346364"/>
+                </a:cubicBezTo>
+                <a:cubicBezTo>
+                  <a:pt x="5357228" y="342493"/>
+                  <a:pt x="5380045" y="336380"/>
+                  <a:pt x="5403273" y="332509"/>
+                </a:cubicBezTo>
+                <a:cubicBezTo>
+                  <a:pt x="5448325" y="325000"/>
+                  <a:pt x="5569086" y="309467"/>
+                  <a:pt x="5611091" y="304800"/>
+                </a:cubicBezTo>
+                <a:cubicBezTo>
+                  <a:pt x="5657219" y="299674"/>
+                  <a:pt x="5703650" y="297216"/>
+                  <a:pt x="5749637" y="290945"/>
+                </a:cubicBezTo>
+                <a:cubicBezTo>
+                  <a:pt x="5931435" y="266154"/>
+                  <a:pt x="5864020" y="271408"/>
+                  <a:pt x="5985164" y="249382"/>
+                </a:cubicBezTo>
+                <a:cubicBezTo>
+                  <a:pt x="6012802" y="244357"/>
+                  <a:pt x="6040511" y="239694"/>
+                  <a:pt x="6068291" y="235527"/>
+                </a:cubicBezTo>
+                <a:cubicBezTo>
+                  <a:pt x="6132879" y="225839"/>
+                  <a:pt x="6198894" y="223658"/>
+                  <a:pt x="6262255" y="207818"/>
+                </a:cubicBezTo>
+                <a:cubicBezTo>
+                  <a:pt x="6372172" y="180340"/>
+                  <a:pt x="6329220" y="189058"/>
+                  <a:pt x="6511637" y="166255"/>
+                </a:cubicBezTo>
+                <a:cubicBezTo>
+                  <a:pt x="6548582" y="161637"/>
+                  <a:pt x="6585747" y="158521"/>
+                  <a:pt x="6622473" y="152400"/>
+                </a:cubicBezTo>
+                <a:cubicBezTo>
+                  <a:pt x="6641255" y="149270"/>
+                  <a:pt x="6659071" y="141440"/>
+                  <a:pt x="6677891" y="138545"/>
+                </a:cubicBezTo>
+                <a:cubicBezTo>
+                  <a:pt x="6719224" y="132186"/>
+                  <a:pt x="6761018" y="129309"/>
+                  <a:pt x="6802582" y="124691"/>
+                </a:cubicBezTo>
+                <a:cubicBezTo>
+                  <a:pt x="6961520" y="71710"/>
+                  <a:pt x="6801750" y="120665"/>
+                  <a:pt x="7204364" y="96982"/>
+                </a:cubicBezTo>
+                <a:cubicBezTo>
+                  <a:pt x="7499104" y="79644"/>
+                  <a:pt x="7194690" y="92730"/>
+                  <a:pt x="7370619" y="69273"/>
+                </a:cubicBezTo>
+                <a:cubicBezTo>
+                  <a:pt x="7421181" y="62531"/>
+                  <a:pt x="7472359" y="61378"/>
+                  <a:pt x="7523019" y="55418"/>
+                </a:cubicBezTo>
+                <a:cubicBezTo>
+                  <a:pt x="7550918" y="52136"/>
+                  <a:pt x="7578227" y="44666"/>
+                  <a:pt x="7606146" y="41564"/>
+                </a:cubicBezTo>
+                <a:cubicBezTo>
+                  <a:pt x="7794116" y="20679"/>
+                  <a:pt x="7900654" y="13581"/>
+                  <a:pt x="8077200" y="0"/>
+                </a:cubicBezTo>
+                <a:cubicBezTo>
+                  <a:pt x="8141855" y="4618"/>
+                  <a:pt x="8206789" y="6281"/>
+                  <a:pt x="8271164" y="13855"/>
+                </a:cubicBezTo>
+                <a:cubicBezTo>
+                  <a:pt x="8401337" y="29169"/>
+                  <a:pt x="8300696" y="27709"/>
+                  <a:pt x="8298873" y="27709"/>
+                </a:cubicBezTo>
+                <a:lnTo>
+                  <a:pt x="8298873" y="27709"/>
+                </a:lnTo>
+                <a:lnTo>
+                  <a:pt x="8298873" y="4391891"/>
+                </a:lnTo>
+                <a:lnTo>
+                  <a:pt x="0" y="4378036"/>
                 </a:lnTo>
                 <a:close/>
               </a:path>
@@ -3906,7 +4039,7 @@
           <a:solidFill>
             <a:srgbClr val="FFFF00"/>
           </a:solidFill>
-          <a:ln w="28575">
+          <a:ln w="25400">
             <a:solidFill>
               <a:srgbClr val="00B050"/>
             </a:solidFill>
@@ -3937,76 +4070,297 @@
           </a:p>
         </p:txBody>
       </p:sp>
-      <p:cxnSp>
-        <p:nvCxnSpPr>
-          <p:cNvPr id="25" name="직선 연결선 24"/>
-          <p:cNvCxnSpPr/>
+      <p:sp>
+        <p:nvSpPr>
+          <p:cNvPr id="2" name="직사각형 1"/>
+          <p:cNvSpPr/>
           <p:nvPr/>
-        </p:nvCxnSpPr>
+        </p:nvSpPr>
         <p:spPr>
           <a:xfrm>
-            <a:off x="2105891" y="1634836"/>
-            <a:ext cx="6913418" cy="0"/>
+            <a:off x="2272682" y="1371600"/>
+            <a:ext cx="8284482" cy="4378036"/>
           </a:xfrm>
-          <a:prstGeom prst="line">
+          <a:prstGeom prst="rect">
             <a:avLst/>
           </a:prstGeom>
+          <a:noFill/>
         </p:spPr>
         <p:style>
-          <a:lnRef idx="1">
-            <a:schemeClr val="accent1"/>
+          <a:lnRef idx="2">
+            <a:schemeClr val="accent1">
+              <a:shade val="50000"/>
+            </a:schemeClr>
           </a:lnRef>
-          <a:fillRef idx="0">
+          <a:fillRef idx="1">
             <a:schemeClr val="accent1"/>
           </a:fillRef>
           <a:effectRef idx="0">
             <a:schemeClr val="accent1"/>
           </a:effectRef>
           <a:fontRef idx="minor">
-            <a:schemeClr val="tx1"/>
+            <a:schemeClr val="lt1"/>
           </a:fontRef>
         </p:style>
-      </p:cxnSp>
+        <p:txBody>
+          <a:bodyPr rtlCol="0" anchor="ctr"/>
+          <a:lstStyle/>
+          <a:p>
+            <a:pPr algn="ctr"/>
+            <a:endParaRPr lang="ko-KR" altLang="en-US"/>
+          </a:p>
+        </p:txBody>
+      </p:sp>
+      <p:sp>
+        <p:nvSpPr>
+          <p:cNvPr id="10" name="TextBox 9"/>
+          <p:cNvSpPr txBox="1"/>
+          <p:nvPr/>
+        </p:nvSpPr>
+        <p:spPr>
+          <a:xfrm>
+            <a:off x="4606637" y="6179127"/>
+            <a:ext cx="3783600" cy="369332"/>
+          </a:xfrm>
+          <a:prstGeom prst="rect">
+            <a:avLst/>
+          </a:prstGeom>
+          <a:noFill/>
+        </p:spPr>
+        <p:txBody>
+          <a:bodyPr wrap="none" rtlCol="0">
+            <a:spAutoFit/>
+          </a:bodyPr>
+          <a:lstStyle/>
+          <a:p>
+            <a:r>
+              <a:rPr lang="en-US" altLang="ko-KR" dirty="0" smtClean="0"/>
+              <a:t>False positive rate = 1 - specificity</a:t>
+            </a:r>
+            <a:endParaRPr lang="ko-KR" altLang="en-US" dirty="0"/>
+          </a:p>
+        </p:txBody>
+      </p:sp>
+      <p:sp>
+        <p:nvSpPr>
+          <p:cNvPr id="11" name="TextBox 10"/>
+          <p:cNvSpPr txBox="1"/>
+          <p:nvPr/>
+        </p:nvSpPr>
+        <p:spPr>
+          <a:xfrm rot="16200000">
+            <a:off x="-233589" y="3556061"/>
+            <a:ext cx="3328732" cy="369332"/>
+          </a:xfrm>
+          <a:prstGeom prst="rect">
+            <a:avLst/>
+          </a:prstGeom>
+          <a:noFill/>
+        </p:spPr>
+        <p:txBody>
+          <a:bodyPr wrap="none" rtlCol="0">
+            <a:spAutoFit/>
+          </a:bodyPr>
+          <a:lstStyle/>
+          <a:p>
+            <a:r>
+              <a:rPr lang="en-US" altLang="ko-KR" dirty="0" smtClean="0"/>
+              <a:t>True positive rate = sensitivity</a:t>
+            </a:r>
+            <a:endParaRPr lang="ko-KR" altLang="en-US" dirty="0"/>
+          </a:p>
+        </p:txBody>
+      </p:sp>
+      <p:sp>
+        <p:nvSpPr>
+          <p:cNvPr id="13" name="TextBox 12"/>
+          <p:cNvSpPr txBox="1"/>
+          <p:nvPr/>
+        </p:nvSpPr>
+        <p:spPr>
+          <a:xfrm>
+            <a:off x="4544153" y="457201"/>
+            <a:ext cx="2758640" cy="707886"/>
+          </a:xfrm>
+          <a:prstGeom prst="rect">
+            <a:avLst/>
+          </a:prstGeom>
+          <a:noFill/>
+        </p:spPr>
+        <p:txBody>
+          <a:bodyPr wrap="none" rtlCol="0">
+            <a:spAutoFit/>
+          </a:bodyPr>
+          <a:lstStyle/>
+          <a:p>
+            <a:r>
+              <a:rPr lang="en-US" altLang="ko-KR" sz="4000" b="1" dirty="0" smtClean="0"/>
+              <a:t>ROC curve</a:t>
+            </a:r>
+            <a:endParaRPr lang="ko-KR" altLang="en-US" sz="4000" b="1" dirty="0"/>
+          </a:p>
+        </p:txBody>
+      </p:sp>
+      <p:sp>
+        <p:nvSpPr>
+          <p:cNvPr id="17" name="TextBox 16"/>
+          <p:cNvSpPr txBox="1"/>
+          <p:nvPr/>
+        </p:nvSpPr>
+        <p:spPr>
+          <a:xfrm>
+            <a:off x="6089959" y="3343639"/>
+            <a:ext cx="1363786" cy="584775"/>
+          </a:xfrm>
+          <a:prstGeom prst="rect">
+            <a:avLst/>
+          </a:prstGeom>
+          <a:noFill/>
+        </p:spPr>
+        <p:txBody>
+          <a:bodyPr wrap="square" rtlCol="0">
+            <a:spAutoFit/>
+          </a:bodyPr>
+          <a:lstStyle/>
+          <a:p>
+            <a:r>
+              <a:rPr lang="en-US" altLang="ko-KR" sz="3200" b="1" dirty="0" smtClean="0"/>
+              <a:t>AUC</a:t>
+            </a:r>
+            <a:endParaRPr lang="ko-KR" altLang="en-US" sz="3200" b="1" dirty="0"/>
+          </a:p>
+        </p:txBody>
+      </p:sp>
+      <p:sp>
+        <p:nvSpPr>
+          <p:cNvPr id="28" name="TextBox 27"/>
+          <p:cNvSpPr txBox="1"/>
+          <p:nvPr/>
+        </p:nvSpPr>
+        <p:spPr>
+          <a:xfrm>
+            <a:off x="10245860" y="5771483"/>
+            <a:ext cx="311304" cy="369332"/>
+          </a:xfrm>
+          <a:prstGeom prst="rect">
+            <a:avLst/>
+          </a:prstGeom>
+          <a:noFill/>
+        </p:spPr>
+        <p:txBody>
+          <a:bodyPr wrap="none" rtlCol="0">
+            <a:spAutoFit/>
+          </a:bodyPr>
+          <a:lstStyle/>
+          <a:p>
+            <a:r>
+              <a:rPr lang="en-US" altLang="ko-KR" dirty="0" smtClean="0"/>
+              <a:t>1</a:t>
+            </a:r>
+            <a:endParaRPr lang="ko-KR" altLang="en-US" dirty="0"/>
+          </a:p>
+        </p:txBody>
+      </p:sp>
+      <p:sp>
+        <p:nvSpPr>
+          <p:cNvPr id="29" name="TextBox 28"/>
+          <p:cNvSpPr txBox="1"/>
+          <p:nvPr/>
+        </p:nvSpPr>
+        <p:spPr>
+          <a:xfrm>
+            <a:off x="1961378" y="1371600"/>
+            <a:ext cx="311304" cy="369332"/>
+          </a:xfrm>
+          <a:prstGeom prst="rect">
+            <a:avLst/>
+          </a:prstGeom>
+          <a:noFill/>
+        </p:spPr>
+        <p:txBody>
+          <a:bodyPr wrap="none" rtlCol="0">
+            <a:spAutoFit/>
+          </a:bodyPr>
+          <a:lstStyle/>
+          <a:p>
+            <a:r>
+              <a:rPr lang="en-US" altLang="ko-KR" dirty="0" smtClean="0"/>
+              <a:t>1</a:t>
+            </a:r>
+            <a:endParaRPr lang="ko-KR" altLang="en-US" dirty="0"/>
+          </a:p>
+        </p:txBody>
+      </p:sp>
+      <p:sp>
+        <p:nvSpPr>
+          <p:cNvPr id="35" name="TextBox 34"/>
+          <p:cNvSpPr txBox="1"/>
+          <p:nvPr/>
+        </p:nvSpPr>
+        <p:spPr>
+          <a:xfrm>
+            <a:off x="1776073" y="3389806"/>
+            <a:ext cx="489236" cy="369332"/>
+          </a:xfrm>
+          <a:prstGeom prst="rect">
+            <a:avLst/>
+          </a:prstGeom>
+          <a:noFill/>
+        </p:spPr>
+        <p:txBody>
+          <a:bodyPr wrap="none" rtlCol="0">
+            <a:spAutoFit/>
+          </a:bodyPr>
+          <a:lstStyle/>
+          <a:p>
+            <a:r>
+              <a:rPr lang="en-US" altLang="ko-KR" dirty="0" smtClean="0"/>
+              <a:t>0.5</a:t>
+            </a:r>
+            <a:endParaRPr lang="ko-KR" altLang="en-US" dirty="0"/>
+          </a:p>
+        </p:txBody>
+      </p:sp>
+      <p:sp>
+        <p:nvSpPr>
+          <p:cNvPr id="36" name="TextBox 35"/>
+          <p:cNvSpPr txBox="1"/>
+          <p:nvPr/>
+        </p:nvSpPr>
+        <p:spPr>
+          <a:xfrm>
+            <a:off x="6158614" y="5756746"/>
+            <a:ext cx="512618" cy="369332"/>
+          </a:xfrm>
+          <a:prstGeom prst="rect">
+            <a:avLst/>
+          </a:prstGeom>
+          <a:noFill/>
+        </p:spPr>
+        <p:txBody>
+          <a:bodyPr wrap="square" rtlCol="0">
+            <a:spAutoFit/>
+          </a:bodyPr>
+          <a:lstStyle/>
+          <a:p>
+            <a:r>
+              <a:rPr lang="en-US" altLang="ko-KR" dirty="0" smtClean="0"/>
+              <a:t>0.5</a:t>
+            </a:r>
+            <a:endParaRPr lang="ko-KR" altLang="en-US" dirty="0"/>
+          </a:p>
+        </p:txBody>
+      </p:sp>
       <p:cxnSp>
         <p:nvCxnSpPr>
-          <p:cNvPr id="27" name="직선 연결선 26"/>
+          <p:cNvPr id="4" name="직선 화살표 연결선 3"/>
           <p:cNvCxnSpPr/>
           <p:nvPr/>
         </p:nvCxnSpPr>
         <p:spPr>
           <a:xfrm>
-            <a:off x="9019309" y="1634836"/>
-            <a:ext cx="0" cy="3837709"/>
-          </a:xfrm>
-          <a:prstGeom prst="line">
-            <a:avLst/>
-          </a:prstGeom>
-        </p:spPr>
-        <p:style>
-          <a:lnRef idx="1">
-            <a:schemeClr val="accent1"/>
-          </a:lnRef>
-          <a:fillRef idx="0">
-            <a:schemeClr val="accent1"/>
-          </a:fillRef>
-          <a:effectRef idx="0">
-            <a:schemeClr val="accent1"/>
-          </a:effectRef>
-          <a:fontRef idx="minor">
-            <a:schemeClr val="tx1"/>
-          </a:fontRef>
-        </p:style>
-      </p:cxnSp>
-      <p:cxnSp>
-        <p:nvCxnSpPr>
-          <p:cNvPr id="5" name="직선 화살표 연결선 4"/>
-          <p:cNvCxnSpPr/>
-          <p:nvPr/>
-        </p:nvCxnSpPr>
-        <p:spPr>
-          <a:xfrm>
-            <a:off x="2105891" y="5458691"/>
-            <a:ext cx="7135091" cy="13854"/>
+            <a:off x="2272682" y="5749636"/>
+            <a:ext cx="8284482" cy="0"/>
           </a:xfrm>
           <a:prstGeom prst="straightConnector1">
             <a:avLst/>
@@ -4035,14 +4389,14 @@
       </p:cxnSp>
       <p:cxnSp>
         <p:nvCxnSpPr>
-          <p:cNvPr id="8" name="직선 화살표 연결선 7"/>
+          <p:cNvPr id="7" name="직선 화살표 연결선 6"/>
           <p:cNvCxnSpPr/>
           <p:nvPr/>
         </p:nvCxnSpPr>
         <p:spPr>
           <a:xfrm flipV="1">
-            <a:off x="2105891" y="1468583"/>
-            <a:ext cx="0" cy="3990108"/>
+            <a:off x="2272682" y="1371600"/>
+            <a:ext cx="0" cy="4378036"/>
           </a:xfrm>
           <a:prstGeom prst="straightConnector1">
             <a:avLst/>
@@ -4069,306 +4423,6 @@
           </a:fontRef>
         </p:style>
       </p:cxnSp>
-      <p:sp>
-        <p:nvSpPr>
-          <p:cNvPr id="10" name="TextBox 9"/>
-          <p:cNvSpPr txBox="1"/>
-          <p:nvPr/>
-        </p:nvSpPr>
-        <p:spPr>
-          <a:xfrm>
-            <a:off x="4031673" y="5874327"/>
-            <a:ext cx="3783600" cy="369332"/>
-          </a:xfrm>
-          <a:prstGeom prst="rect">
-            <a:avLst/>
-          </a:prstGeom>
-          <a:noFill/>
-        </p:spPr>
-        <p:txBody>
-          <a:bodyPr wrap="none" rtlCol="0">
-            <a:spAutoFit/>
-          </a:bodyPr>
-          <a:lstStyle/>
-          <a:p>
-            <a:r>
-              <a:rPr lang="en-US" altLang="ko-KR" dirty="0" smtClean="0"/>
-              <a:t>False positive rate = 1 - specificity</a:t>
-            </a:r>
-            <a:endParaRPr lang="ko-KR" altLang="en-US" dirty="0"/>
-          </a:p>
-        </p:txBody>
-      </p:sp>
-      <p:sp>
-        <p:nvSpPr>
-          <p:cNvPr id="11" name="TextBox 10"/>
-          <p:cNvSpPr txBox="1"/>
-          <p:nvPr/>
-        </p:nvSpPr>
-        <p:spPr>
-          <a:xfrm rot="16200000">
-            <a:off x="-232376" y="3278971"/>
-            <a:ext cx="3328732" cy="369332"/>
-          </a:xfrm>
-          <a:prstGeom prst="rect">
-            <a:avLst/>
-          </a:prstGeom>
-          <a:noFill/>
-        </p:spPr>
-        <p:txBody>
-          <a:bodyPr wrap="none" rtlCol="0">
-            <a:spAutoFit/>
-          </a:bodyPr>
-          <a:lstStyle/>
-          <a:p>
-            <a:r>
-              <a:rPr lang="en-US" altLang="ko-KR" dirty="0" smtClean="0"/>
-              <a:t>True positive rate = sensitivity</a:t>
-            </a:r>
-            <a:endParaRPr lang="ko-KR" altLang="en-US" dirty="0"/>
-          </a:p>
-        </p:txBody>
-      </p:sp>
-      <p:sp>
-        <p:nvSpPr>
-          <p:cNvPr id="13" name="TextBox 12"/>
-          <p:cNvSpPr txBox="1"/>
-          <p:nvPr/>
-        </p:nvSpPr>
-        <p:spPr>
-          <a:xfrm>
-            <a:off x="4544153" y="457201"/>
-            <a:ext cx="2758640" cy="707886"/>
-          </a:xfrm>
-          <a:prstGeom prst="rect">
-            <a:avLst/>
-          </a:prstGeom>
-          <a:noFill/>
-        </p:spPr>
-        <p:txBody>
-          <a:bodyPr wrap="none" rtlCol="0">
-            <a:spAutoFit/>
-          </a:bodyPr>
-          <a:lstStyle/>
-          <a:p>
-            <a:r>
-              <a:rPr lang="en-US" altLang="ko-KR" sz="4000" b="1" dirty="0" smtClean="0"/>
-              <a:t>ROC curve</a:t>
-            </a:r>
-            <a:endParaRPr lang="ko-KR" altLang="en-US" sz="4000" b="1" dirty="0"/>
-          </a:p>
-        </p:txBody>
-      </p:sp>
-      <p:sp>
-        <p:nvSpPr>
-          <p:cNvPr id="17" name="TextBox 16"/>
-          <p:cNvSpPr txBox="1"/>
-          <p:nvPr/>
-        </p:nvSpPr>
-        <p:spPr>
-          <a:xfrm>
-            <a:off x="5102398" y="3321932"/>
-            <a:ext cx="816955" cy="461665"/>
-          </a:xfrm>
-          <a:prstGeom prst="rect">
-            <a:avLst/>
-          </a:prstGeom>
-          <a:noFill/>
-        </p:spPr>
-        <p:txBody>
-          <a:bodyPr wrap="none" rtlCol="0">
-            <a:spAutoFit/>
-          </a:bodyPr>
-          <a:lstStyle/>
-          <a:p>
-            <a:r>
-              <a:rPr lang="en-US" altLang="ko-KR" sz="2400" b="1" dirty="0" smtClean="0"/>
-              <a:t>AUC</a:t>
-            </a:r>
-            <a:endParaRPr lang="ko-KR" altLang="en-US" sz="2400" b="1" dirty="0"/>
-          </a:p>
-        </p:txBody>
-      </p:sp>
-      <p:sp>
-        <p:nvSpPr>
-          <p:cNvPr id="28" name="TextBox 27"/>
-          <p:cNvSpPr txBox="1"/>
-          <p:nvPr/>
-        </p:nvSpPr>
-        <p:spPr>
-          <a:xfrm>
-            <a:off x="8863657" y="5504995"/>
-            <a:ext cx="311304" cy="369332"/>
-          </a:xfrm>
-          <a:prstGeom prst="rect">
-            <a:avLst/>
-          </a:prstGeom>
-          <a:noFill/>
-        </p:spPr>
-        <p:txBody>
-          <a:bodyPr wrap="none" rtlCol="0">
-            <a:spAutoFit/>
-          </a:bodyPr>
-          <a:lstStyle/>
-          <a:p>
-            <a:r>
-              <a:rPr lang="en-US" altLang="ko-KR" dirty="0" smtClean="0"/>
-              <a:t>1</a:t>
-            </a:r>
-            <a:endParaRPr lang="ko-KR" altLang="en-US" dirty="0"/>
-          </a:p>
-        </p:txBody>
-      </p:sp>
-      <p:sp>
-        <p:nvSpPr>
-          <p:cNvPr id="29" name="TextBox 28"/>
-          <p:cNvSpPr txBox="1"/>
-          <p:nvPr/>
-        </p:nvSpPr>
-        <p:spPr>
-          <a:xfrm>
-            <a:off x="1794586" y="1468583"/>
-            <a:ext cx="311304" cy="369332"/>
-          </a:xfrm>
-          <a:prstGeom prst="rect">
-            <a:avLst/>
-          </a:prstGeom>
-          <a:noFill/>
-        </p:spPr>
-        <p:txBody>
-          <a:bodyPr wrap="none" rtlCol="0">
-            <a:spAutoFit/>
-          </a:bodyPr>
-          <a:lstStyle/>
-          <a:p>
-            <a:r>
-              <a:rPr lang="en-US" altLang="ko-KR" dirty="0" smtClean="0"/>
-              <a:t>1</a:t>
-            </a:r>
-            <a:endParaRPr lang="ko-KR" altLang="en-US" dirty="0"/>
-          </a:p>
-        </p:txBody>
-      </p:sp>
-      <p:cxnSp>
-        <p:nvCxnSpPr>
-          <p:cNvPr id="31" name="직선 연결선 30"/>
-          <p:cNvCxnSpPr/>
-          <p:nvPr/>
-        </p:nvCxnSpPr>
-        <p:spPr>
-          <a:xfrm>
-            <a:off x="5562600" y="5458691"/>
-            <a:ext cx="0" cy="230970"/>
-          </a:xfrm>
-          <a:prstGeom prst="line">
-            <a:avLst/>
-          </a:prstGeom>
-        </p:spPr>
-        <p:style>
-          <a:lnRef idx="1">
-            <a:schemeClr val="accent1"/>
-          </a:lnRef>
-          <a:fillRef idx="0">
-            <a:schemeClr val="accent1"/>
-          </a:fillRef>
-          <a:effectRef idx="0">
-            <a:schemeClr val="accent1"/>
-          </a:effectRef>
-          <a:fontRef idx="minor">
-            <a:schemeClr val="tx1"/>
-          </a:fontRef>
-        </p:style>
-      </p:cxnSp>
-      <p:cxnSp>
-        <p:nvCxnSpPr>
-          <p:cNvPr id="33" name="직선 연결선 32"/>
-          <p:cNvCxnSpPr/>
-          <p:nvPr/>
-        </p:nvCxnSpPr>
-        <p:spPr>
-          <a:xfrm flipH="1">
-            <a:off x="1950238" y="3463637"/>
-            <a:ext cx="155653" cy="0"/>
-          </a:xfrm>
-          <a:prstGeom prst="line">
-            <a:avLst/>
-          </a:prstGeom>
-        </p:spPr>
-        <p:style>
-          <a:lnRef idx="1">
-            <a:schemeClr val="accent1"/>
-          </a:lnRef>
-          <a:fillRef idx="0">
-            <a:schemeClr val="accent1"/>
-          </a:fillRef>
-          <a:effectRef idx="0">
-            <a:schemeClr val="accent1"/>
-          </a:effectRef>
-          <a:fontRef idx="minor">
-            <a:schemeClr val="tx1"/>
-          </a:fontRef>
-        </p:style>
-      </p:cxnSp>
-      <p:sp>
-        <p:nvSpPr>
-          <p:cNvPr id="35" name="TextBox 34"/>
-          <p:cNvSpPr txBox="1"/>
-          <p:nvPr/>
-        </p:nvSpPr>
-        <p:spPr>
-          <a:xfrm>
-            <a:off x="1654967" y="3278971"/>
-            <a:ext cx="489236" cy="369332"/>
-          </a:xfrm>
-          <a:prstGeom prst="rect">
-            <a:avLst/>
-          </a:prstGeom>
-          <a:noFill/>
-        </p:spPr>
-        <p:txBody>
-          <a:bodyPr wrap="none" rtlCol="0">
-            <a:spAutoFit/>
-          </a:bodyPr>
-          <a:lstStyle/>
-          <a:p>
-            <a:r>
-              <a:rPr lang="en-US" altLang="ko-KR" dirty="0" smtClean="0"/>
-              <a:t>0.5</a:t>
-            </a:r>
-            <a:endParaRPr lang="ko-KR" altLang="en-US" dirty="0"/>
-          </a:p>
-        </p:txBody>
-      </p:sp>
-      <p:sp>
-        <p:nvSpPr>
-          <p:cNvPr id="36" name="TextBox 35"/>
-          <p:cNvSpPr txBox="1"/>
-          <p:nvPr/>
-        </p:nvSpPr>
-        <p:spPr>
-          <a:xfrm>
-            <a:off x="5317982" y="5488770"/>
-            <a:ext cx="489236" cy="369332"/>
-          </a:xfrm>
-          <a:prstGeom prst="rect">
-            <a:avLst/>
-          </a:prstGeom>
-          <a:noFill/>
-        </p:spPr>
-        <p:txBody>
-          <a:bodyPr wrap="none" rtlCol="0">
-            <a:spAutoFit/>
-          </a:bodyPr>
-          <a:lstStyle/>
-          <a:p>
-            <a:r>
-              <a:rPr lang="en-US" altLang="ko-KR" dirty="0" smtClean="0"/>
-              <a:t>0.5</a:t>
-            </a:r>
-            <a:endParaRPr lang="ko-KR" altLang="en-US" dirty="0"/>
-          </a:p>
-        </p:txBody>
-      </p:sp>
     </p:spTree>
     <p:extLst>
       <p:ext uri="{BB962C8B-B14F-4D97-AF65-F5344CB8AC3E}">

--- a/JBNU_Statistics_Ph.D/Ph.D dissertation/학위논문심사/학위논문작성/Overleaf LaTex 작성/삽입 그림/calibration with time dependent AUC from survival data/ROC curve.pptx
+++ b/JBNU_Statistics_Ph.D/Ph.D dissertation/학위논문심사/학위논문작성/Overleaf LaTex 작성/삽입 그림/calibration with time dependent AUC from survival data/ROC curve.pptx
@@ -243,7 +243,7 @@
           <a:p>
             <a:fld id="{3FF9CCCE-BB5D-4DAC-9891-43D84DC05547}" type="datetimeFigureOut">
               <a:rPr lang="ko-KR" altLang="en-US" smtClean="0"/>
-              <a:t>2022-06-29</a:t>
+              <a:t>2022-07-03</a:t>
             </a:fld>
             <a:endParaRPr lang="ko-KR" altLang="en-US"/>
           </a:p>
@@ -413,7 +413,7 @@
           <a:p>
             <a:fld id="{3FF9CCCE-BB5D-4DAC-9891-43D84DC05547}" type="datetimeFigureOut">
               <a:rPr lang="ko-KR" altLang="en-US" smtClean="0"/>
-              <a:t>2022-06-29</a:t>
+              <a:t>2022-07-03</a:t>
             </a:fld>
             <a:endParaRPr lang="ko-KR" altLang="en-US"/>
           </a:p>
@@ -593,7 +593,7 @@
           <a:p>
             <a:fld id="{3FF9CCCE-BB5D-4DAC-9891-43D84DC05547}" type="datetimeFigureOut">
               <a:rPr lang="ko-KR" altLang="en-US" smtClean="0"/>
-              <a:t>2022-06-29</a:t>
+              <a:t>2022-07-03</a:t>
             </a:fld>
             <a:endParaRPr lang="ko-KR" altLang="en-US"/>
           </a:p>
@@ -763,7 +763,7 @@
           <a:p>
             <a:fld id="{3FF9CCCE-BB5D-4DAC-9891-43D84DC05547}" type="datetimeFigureOut">
               <a:rPr lang="ko-KR" altLang="en-US" smtClean="0"/>
-              <a:t>2022-06-29</a:t>
+              <a:t>2022-07-03</a:t>
             </a:fld>
             <a:endParaRPr lang="ko-KR" altLang="en-US"/>
           </a:p>
@@ -1009,7 +1009,7 @@
           <a:p>
             <a:fld id="{3FF9CCCE-BB5D-4DAC-9891-43D84DC05547}" type="datetimeFigureOut">
               <a:rPr lang="ko-KR" altLang="en-US" smtClean="0"/>
-              <a:t>2022-06-29</a:t>
+              <a:t>2022-07-03</a:t>
             </a:fld>
             <a:endParaRPr lang="ko-KR" altLang="en-US"/>
           </a:p>
@@ -1241,7 +1241,7 @@
           <a:p>
             <a:fld id="{3FF9CCCE-BB5D-4DAC-9891-43D84DC05547}" type="datetimeFigureOut">
               <a:rPr lang="ko-KR" altLang="en-US" smtClean="0"/>
-              <a:t>2022-06-29</a:t>
+              <a:t>2022-07-03</a:t>
             </a:fld>
             <a:endParaRPr lang="ko-KR" altLang="en-US"/>
           </a:p>
@@ -1608,7 +1608,7 @@
           <a:p>
             <a:fld id="{3FF9CCCE-BB5D-4DAC-9891-43D84DC05547}" type="datetimeFigureOut">
               <a:rPr lang="ko-KR" altLang="en-US" smtClean="0"/>
-              <a:t>2022-06-29</a:t>
+              <a:t>2022-07-03</a:t>
             </a:fld>
             <a:endParaRPr lang="ko-KR" altLang="en-US"/>
           </a:p>
@@ -1726,7 +1726,7 @@
           <a:p>
             <a:fld id="{3FF9CCCE-BB5D-4DAC-9891-43D84DC05547}" type="datetimeFigureOut">
               <a:rPr lang="ko-KR" altLang="en-US" smtClean="0"/>
-              <a:t>2022-06-29</a:t>
+              <a:t>2022-07-03</a:t>
             </a:fld>
             <a:endParaRPr lang="ko-KR" altLang="en-US"/>
           </a:p>
@@ -1821,7 +1821,7 @@
           <a:p>
             <a:fld id="{3FF9CCCE-BB5D-4DAC-9891-43D84DC05547}" type="datetimeFigureOut">
               <a:rPr lang="ko-KR" altLang="en-US" smtClean="0"/>
-              <a:t>2022-06-29</a:t>
+              <a:t>2022-07-03</a:t>
             </a:fld>
             <a:endParaRPr lang="ko-KR" altLang="en-US"/>
           </a:p>
@@ -2098,7 +2098,7 @@
           <a:p>
             <a:fld id="{3FF9CCCE-BB5D-4DAC-9891-43D84DC05547}" type="datetimeFigureOut">
               <a:rPr lang="ko-KR" altLang="en-US" smtClean="0"/>
-              <a:t>2022-06-29</a:t>
+              <a:t>2022-07-03</a:t>
             </a:fld>
             <a:endParaRPr lang="ko-KR" altLang="en-US"/>
           </a:p>
@@ -2351,7 +2351,7 @@
           <a:p>
             <a:fld id="{3FF9CCCE-BB5D-4DAC-9891-43D84DC05547}" type="datetimeFigureOut">
               <a:rPr lang="ko-KR" altLang="en-US" smtClean="0"/>
-              <a:t>2022-06-29</a:t>
+              <a:t>2022-07-03</a:t>
             </a:fld>
             <a:endParaRPr lang="ko-KR" altLang="en-US"/>
           </a:p>
@@ -2564,7 +2564,7 @@
           <a:p>
             <a:fld id="{3FF9CCCE-BB5D-4DAC-9891-43D84DC05547}" type="datetimeFigureOut">
               <a:rPr lang="ko-KR" altLang="en-US" smtClean="0"/>
-              <a:t>2022-06-29</a:t>
+              <a:t>2022-07-03</a:t>
             </a:fld>
             <a:endParaRPr lang="ko-KR" altLang="en-US"/>
           </a:p>
@@ -4120,7 +4120,7 @@
         <p:spPr>
           <a:xfrm>
             <a:off x="4606637" y="6179127"/>
-            <a:ext cx="3783600" cy="369332"/>
+            <a:ext cx="3827266" cy="369332"/>
           </a:xfrm>
           <a:prstGeom prst="rect">
             <a:avLst/>
@@ -4135,7 +4135,27 @@
           <a:p>
             <a:r>
               <a:rPr lang="en-US" altLang="ko-KR" dirty="0" smtClean="0"/>
-              <a:t>False positive rate = 1 - specificity</a:t>
+              <a:t>False </a:t>
+            </a:r>
+            <a:r>
+              <a:rPr lang="en-US" altLang="ko-KR" dirty="0" smtClean="0"/>
+              <a:t>Positive </a:t>
+            </a:r>
+            <a:r>
+              <a:rPr lang="en-US" altLang="ko-KR" dirty="0"/>
+              <a:t>R</a:t>
+            </a:r>
+            <a:r>
+              <a:rPr lang="en-US" altLang="ko-KR" dirty="0" smtClean="0"/>
+              <a:t>ate </a:t>
+            </a:r>
+            <a:r>
+              <a:rPr lang="en-US" altLang="ko-KR" dirty="0" smtClean="0"/>
+              <a:t>= 1 - </a:t>
+            </a:r>
+            <a:r>
+              <a:rPr lang="en-US" altLang="ko-KR" dirty="0" smtClean="0"/>
+              <a:t>Specificity</a:t>
             </a:r>
             <a:endParaRPr lang="ko-KR" altLang="en-US" dirty="0"/>
           </a:p>
@@ -4149,8 +4169,8 @@
         </p:nvSpPr>
         <p:spPr>
           <a:xfrm rot="16200000">
-            <a:off x="-233589" y="3556061"/>
-            <a:ext cx="3328732" cy="369332"/>
+            <a:off x="-255422" y="3556061"/>
+            <a:ext cx="3372398" cy="369332"/>
           </a:xfrm>
           <a:prstGeom prst="rect">
             <a:avLst/>
@@ -4165,7 +4185,27 @@
           <a:p>
             <a:r>
               <a:rPr lang="en-US" altLang="ko-KR" dirty="0" smtClean="0"/>
-              <a:t>True positive rate = sensitivity</a:t>
+              <a:t>True </a:t>
+            </a:r>
+            <a:r>
+              <a:rPr lang="en-US" altLang="ko-KR" dirty="0" smtClean="0"/>
+              <a:t>Positive </a:t>
+            </a:r>
+            <a:r>
+              <a:rPr lang="en-US" altLang="ko-KR" dirty="0"/>
+              <a:t>R</a:t>
+            </a:r>
+            <a:r>
+              <a:rPr lang="en-US" altLang="ko-KR" dirty="0" smtClean="0"/>
+              <a:t>ate </a:t>
+            </a:r>
+            <a:r>
+              <a:rPr lang="en-US" altLang="ko-KR" dirty="0" smtClean="0"/>
+              <a:t>= </a:t>
+            </a:r>
+            <a:r>
+              <a:rPr lang="en-US" altLang="ko-KR" dirty="0" smtClean="0"/>
+              <a:t>Sensitivity</a:t>
             </a:r>
             <a:endParaRPr lang="ko-KR" altLang="en-US" dirty="0"/>
           </a:p>
@@ -4198,36 +4238,6 @@
               <a:t>ROC curve</a:t>
             </a:r>
             <a:endParaRPr lang="ko-KR" altLang="en-US" sz="4000" b="1" dirty="0"/>
-          </a:p>
-        </p:txBody>
-      </p:sp>
-      <p:sp>
-        <p:nvSpPr>
-          <p:cNvPr id="17" name="TextBox 16"/>
-          <p:cNvSpPr txBox="1"/>
-          <p:nvPr/>
-        </p:nvSpPr>
-        <p:spPr>
-          <a:xfrm>
-            <a:off x="6089959" y="3343639"/>
-            <a:ext cx="1363786" cy="584775"/>
-          </a:xfrm>
-          <a:prstGeom prst="rect">
-            <a:avLst/>
-          </a:prstGeom>
-          <a:noFill/>
-        </p:spPr>
-        <p:txBody>
-          <a:bodyPr wrap="square" rtlCol="0">
-            <a:spAutoFit/>
-          </a:bodyPr>
-          <a:lstStyle/>
-          <a:p>
-            <a:r>
-              <a:rPr lang="en-US" altLang="ko-KR" sz="3200" b="1" dirty="0" smtClean="0"/>
-              <a:t>AUC</a:t>
-            </a:r>
-            <a:endParaRPr lang="ko-KR" altLang="en-US" sz="3200" b="1" dirty="0"/>
           </a:p>
         </p:txBody>
       </p:sp>
@@ -4423,6 +4433,201 @@
           </a:fontRef>
         </p:style>
       </p:cxnSp>
+      <p:cxnSp>
+        <p:nvCxnSpPr>
+          <p:cNvPr id="5" name="직선 연결선 4"/>
+          <p:cNvCxnSpPr>
+            <a:stCxn id="14" idx="0"/>
+            <a:endCxn id="14" idx="102"/>
+          </p:cNvCxnSpPr>
+          <p:nvPr/>
+        </p:nvCxnSpPr>
+        <p:spPr>
+          <a:xfrm flipV="1">
+            <a:off x="2272145" y="1399309"/>
+            <a:ext cx="8298873" cy="4350327"/>
+          </a:xfrm>
+          <a:prstGeom prst="line">
+            <a:avLst/>
+          </a:prstGeom>
+        </p:spPr>
+        <p:style>
+          <a:lnRef idx="1">
+            <a:schemeClr val="accent1"/>
+          </a:lnRef>
+          <a:fillRef idx="0">
+            <a:schemeClr val="accent1"/>
+          </a:fillRef>
+          <a:effectRef idx="0">
+            <a:schemeClr val="accent1"/>
+          </a:effectRef>
+          <a:fontRef idx="minor">
+            <a:schemeClr val="tx1"/>
+          </a:fontRef>
+        </p:style>
+      </p:cxnSp>
+      <p:sp>
+        <p:nvSpPr>
+          <p:cNvPr id="17" name="TextBox 16"/>
+          <p:cNvSpPr txBox="1"/>
+          <p:nvPr/>
+        </p:nvSpPr>
+        <p:spPr>
+          <a:xfrm>
+            <a:off x="6089959" y="3343639"/>
+            <a:ext cx="1363786" cy="584775"/>
+          </a:xfrm>
+          <a:prstGeom prst="rect">
+            <a:avLst/>
+          </a:prstGeom>
+          <a:noFill/>
+        </p:spPr>
+        <p:txBody>
+          <a:bodyPr wrap="square" rtlCol="0">
+            <a:spAutoFit/>
+          </a:bodyPr>
+          <a:lstStyle/>
+          <a:p>
+            <a:r>
+              <a:rPr lang="en-US" altLang="ko-KR" sz="3200" b="1" dirty="0" smtClean="0"/>
+              <a:t>AUC</a:t>
+            </a:r>
+            <a:endParaRPr lang="ko-KR" altLang="en-US" sz="3200" b="1" dirty="0"/>
+          </a:p>
+        </p:txBody>
+      </p:sp>
+      <p:cxnSp>
+        <p:nvCxnSpPr>
+          <p:cNvPr id="8" name="직선 화살표 연결선 7"/>
+          <p:cNvCxnSpPr/>
+          <p:nvPr/>
+        </p:nvCxnSpPr>
+        <p:spPr>
+          <a:xfrm flipH="1" flipV="1">
+            <a:off x="8390238" y="2604656"/>
+            <a:ext cx="379689" cy="554180"/>
+          </a:xfrm>
+          <a:prstGeom prst="straightConnector1">
+            <a:avLst/>
+          </a:prstGeom>
+          <a:ln>
+            <a:solidFill>
+              <a:srgbClr val="C46E6C"/>
+            </a:solidFill>
+            <a:tailEnd type="triangle"/>
+          </a:ln>
+        </p:spPr>
+        <p:style>
+          <a:lnRef idx="1">
+            <a:schemeClr val="accent1"/>
+          </a:lnRef>
+          <a:fillRef idx="0">
+            <a:schemeClr val="accent1"/>
+          </a:fillRef>
+          <a:effectRef idx="0">
+            <a:schemeClr val="accent1"/>
+          </a:effectRef>
+          <a:fontRef idx="minor">
+            <a:schemeClr val="tx1"/>
+          </a:fontRef>
+        </p:style>
+      </p:cxnSp>
+      <p:cxnSp>
+        <p:nvCxnSpPr>
+          <p:cNvPr id="18" name="직선 화살표 연결선 17"/>
+          <p:cNvCxnSpPr/>
+          <p:nvPr/>
+        </p:nvCxnSpPr>
+        <p:spPr>
+          <a:xfrm>
+            <a:off x="5996138" y="1544111"/>
+            <a:ext cx="889711" cy="332085"/>
+          </a:xfrm>
+          <a:prstGeom prst="straightConnector1">
+            <a:avLst/>
+          </a:prstGeom>
+          <a:ln>
+            <a:solidFill>
+              <a:srgbClr val="C46E6C"/>
+            </a:solidFill>
+            <a:tailEnd type="triangle"/>
+          </a:ln>
+        </p:spPr>
+        <p:style>
+          <a:lnRef idx="1">
+            <a:schemeClr val="accent1"/>
+          </a:lnRef>
+          <a:fillRef idx="0">
+            <a:schemeClr val="accent1"/>
+          </a:fillRef>
+          <a:effectRef idx="0">
+            <a:schemeClr val="accent1"/>
+          </a:effectRef>
+          <a:fontRef idx="minor">
+            <a:schemeClr val="tx1"/>
+          </a:fontRef>
+        </p:style>
+      </p:cxnSp>
+      <p:sp>
+        <p:nvSpPr>
+          <p:cNvPr id="15" name="TextBox 14"/>
+          <p:cNvSpPr txBox="1"/>
+          <p:nvPr/>
+        </p:nvSpPr>
+        <p:spPr>
+          <a:xfrm>
+            <a:off x="8444975" y="3155464"/>
+            <a:ext cx="1271438" cy="369332"/>
+          </a:xfrm>
+          <a:prstGeom prst="rect">
+            <a:avLst/>
+          </a:prstGeom>
+          <a:noFill/>
+        </p:spPr>
+        <p:txBody>
+          <a:bodyPr wrap="none" rtlCol="0">
+            <a:spAutoFit/>
+          </a:bodyPr>
+          <a:lstStyle/>
+          <a:p>
+            <a:r>
+              <a:rPr lang="en-US" altLang="ko-KR" dirty="0" smtClean="0"/>
+              <a:t>AUC = 0.5</a:t>
+            </a:r>
+            <a:endParaRPr lang="ko-KR" altLang="en-US" dirty="0"/>
+          </a:p>
+        </p:txBody>
+      </p:sp>
+      <p:sp>
+        <p:nvSpPr>
+          <p:cNvPr id="22" name="TextBox 21"/>
+          <p:cNvSpPr txBox="1"/>
+          <p:nvPr/>
+        </p:nvSpPr>
+        <p:spPr>
+          <a:xfrm>
+            <a:off x="4766870" y="1399308"/>
+            <a:ext cx="1271438" cy="369332"/>
+          </a:xfrm>
+          <a:prstGeom prst="rect">
+            <a:avLst/>
+          </a:prstGeom>
+          <a:noFill/>
+        </p:spPr>
+        <p:txBody>
+          <a:bodyPr wrap="none" rtlCol="0">
+            <a:spAutoFit/>
+          </a:bodyPr>
+          <a:lstStyle/>
+          <a:p>
+            <a:r>
+              <a:rPr lang="en-US" altLang="ko-KR" dirty="0" smtClean="0"/>
+              <a:t>AUC &gt; 0.5</a:t>
+            </a:r>
+            <a:endParaRPr lang="ko-KR" altLang="en-US" dirty="0"/>
+          </a:p>
+        </p:txBody>
+      </p:sp>
     </p:spTree>
     <p:extLst>
       <p:ext uri="{BB962C8B-B14F-4D97-AF65-F5344CB8AC3E}">
